--- a/pechakucha_nicksversion.pptx
+++ b/pechakucha_nicksversion.pptx
@@ -5,19 +5,20 @@
     <p:sldMasterId id="2147483713" r:id="rId1"/>
   </p:sldMasterIdLst>
   <p:notesMasterIdLst>
-    <p:notesMasterId r:id="rId12"/>
+    <p:notesMasterId r:id="rId13"/>
   </p:notesMasterIdLst>
   <p:sldIdLst>
     <p:sldId id="256" r:id="rId2"/>
     <p:sldId id="267" r:id="rId3"/>
-    <p:sldId id="268" r:id="rId4"/>
-    <p:sldId id="269" r:id="rId5"/>
-    <p:sldId id="260" r:id="rId6"/>
-    <p:sldId id="261" r:id="rId7"/>
-    <p:sldId id="262" r:id="rId8"/>
-    <p:sldId id="263" r:id="rId9"/>
-    <p:sldId id="264" r:id="rId10"/>
-    <p:sldId id="265" r:id="rId11"/>
+    <p:sldId id="257" r:id="rId4"/>
+    <p:sldId id="268" r:id="rId5"/>
+    <p:sldId id="271" r:id="rId6"/>
+    <p:sldId id="258" r:id="rId7"/>
+    <p:sldId id="260" r:id="rId8"/>
+    <p:sldId id="270" r:id="rId9"/>
+    <p:sldId id="263" r:id="rId10"/>
+    <p:sldId id="264" r:id="rId11"/>
+    <p:sldId id="265" r:id="rId12"/>
   </p:sldIdLst>
   <p:sldSz cx="12192000" cy="6858000"/>
   <p:notesSz cx="6858000" cy="9144000"/>
@@ -668,74 +669,7 @@
           <a:bodyPr/>
           <a:lstStyle/>
           <a:p>
-            <a:pPr lvl="1"/>
-            <a:r>
-              <a:rPr lang="en-US" sz="2400" dirty="0"/>
-              <a:t>Problem: </a:t>
-            </a:r>
-          </a:p>
-          <a:p>
-            <a:pPr lvl="1"/>
-            <a:r>
-              <a:rPr lang="en-US" sz="2400" dirty="0"/>
-              <a:t>	Public health: 529 fatal opioid overdoses in 2017, driven by fentanyl</a:t>
-            </a:r>
-          </a:p>
-          <a:p>
-            <a:pPr lvl="1"/>
-            <a:r>
-              <a:rPr lang="en-US" sz="2400" dirty="0"/>
-              <a:t>	EMS resources: 3065 heroin-related responses in 2017</a:t>
-            </a:r>
-          </a:p>
-          <a:p>
-            <a:pPr marL="457200" marR="0" lvl="1" indent="0" algn="l" defTabSz="914400" rtl="0" eaLnBrk="1" fontAlgn="auto" latinLnBrk="0" hangingPunct="1">
-              <a:lnSpc>
-                <a:spcPct val="100000"/>
-              </a:lnSpc>
-              <a:spcBef>
-                <a:spcPts val="0"/>
-              </a:spcBef>
-              <a:spcAft>
-                <a:spcPts val="0"/>
-              </a:spcAft>
-              <a:buClrTx/>
-              <a:buSzTx/>
-              <a:buFontTx/>
-              <a:buNone/>
-              <a:tabLst/>
-              <a:defRPr/>
-            </a:pPr>
-            <a:r>
-              <a:rPr lang="en-US" sz="2400" dirty="0"/>
-              <a:t>		Mayor, regarding 2016: “</a:t>
-            </a:r>
-            <a:r>
-              <a:rPr lang="en-US" sz="2400" b="0" i="0" kern="1200" dirty="0">
-                <a:solidFill>
-                  <a:schemeClr val="tx1"/>
-                </a:solidFill>
-                <a:effectLst/>
-                <a:latin typeface="+mn-lt"/>
-                <a:ea typeface="+mn-ea"/>
-                <a:cs typeface="+mn-cs"/>
-              </a:rPr>
-              <a:t>first responders have gone to about 1,600 overdose runs this year so far, yielding a $1.6 million cost so far 		for EMS services.</a:t>
-            </a:r>
-            <a:r>
-              <a:rPr lang="en-US" sz="2400" dirty="0"/>
-              <a:t>”  Naloxone breaking the bank.</a:t>
-            </a:r>
-          </a:p>
-          <a:p>
-            <a:pPr lvl="1"/>
-            <a:endParaRPr lang="en-US" sz="2400" dirty="0"/>
-          </a:p>
-          <a:p>
-            <a:r>
-              <a:rPr lang="en-US" dirty="0"/>
-              <a:t>Business as usual</a:t>
-            </a:r>
+            <a:endParaRPr lang="en-US" dirty="0"/>
           </a:p>
         </p:txBody>
       </p:sp>
@@ -765,7 +699,7 @@
     </p:spTree>
     <p:extLst>
       <p:ext uri="{BB962C8B-B14F-4D97-AF65-F5344CB8AC3E}">
-        <p14:creationId xmlns:p14="http://schemas.microsoft.com/office/powerpoint/2010/main" val="600420352"/>
+        <p14:creationId xmlns:p14="http://schemas.microsoft.com/office/powerpoint/2010/main" val="3409957392"/>
       </p:ext>
     </p:extLst>
   </p:cSld>
@@ -820,7 +754,73 @@
           <a:lstStyle/>
           <a:p>
             <a:pPr lvl="1"/>
-            <a:endParaRPr lang="en-US" dirty="0"/>
+            <a:r>
+              <a:rPr lang="en-US" sz="2400" dirty="0"/>
+              <a:t>Problem: </a:t>
+            </a:r>
+          </a:p>
+          <a:p>
+            <a:pPr lvl="1"/>
+            <a:r>
+              <a:rPr lang="en-US" sz="2400" dirty="0"/>
+              <a:t>	Public health: 529 fatal opioid overdoses in 2017, driven by fentanyl</a:t>
+            </a:r>
+          </a:p>
+          <a:p>
+            <a:pPr lvl="1"/>
+            <a:r>
+              <a:rPr lang="en-US" sz="2400" dirty="0"/>
+              <a:t>	EMS resources: 3065 heroin-related responses in 2017</a:t>
+            </a:r>
+          </a:p>
+          <a:p>
+            <a:pPr marL="457200" marR="0" lvl="1" indent="0" algn="l" defTabSz="914400" rtl="0" eaLnBrk="1" fontAlgn="auto" latinLnBrk="0" hangingPunct="1">
+              <a:lnSpc>
+                <a:spcPct val="100000"/>
+              </a:lnSpc>
+              <a:spcBef>
+                <a:spcPts val="0"/>
+              </a:spcBef>
+              <a:spcAft>
+                <a:spcPts val="0"/>
+              </a:spcAft>
+              <a:buClrTx/>
+              <a:buSzTx/>
+              <a:buFontTx/>
+              <a:buNone/>
+              <a:tabLst/>
+              <a:defRPr/>
+            </a:pPr>
+            <a:r>
+              <a:rPr lang="en-US" sz="2400" dirty="0"/>
+              <a:t>		Mayor, regarding 2016: “</a:t>
+            </a:r>
+            <a:r>
+              <a:rPr lang="en-US" sz="2400" b="0" i="0" kern="1200" dirty="0">
+                <a:solidFill>
+                  <a:schemeClr val="tx1"/>
+                </a:solidFill>
+                <a:effectLst/>
+                <a:latin typeface="+mn-lt"/>
+                <a:ea typeface="+mn-ea"/>
+                <a:cs typeface="+mn-cs"/>
+              </a:rPr>
+              <a:t>first responders have gone to about 1,600 overdose runs this year so far, yielding a $1.6 million cost so far 		for EMS services.</a:t>
+            </a:r>
+            <a:r>
+              <a:rPr lang="en-US" sz="2400" dirty="0"/>
+              <a:t>”  Naloxone breaking the bank.</a:t>
+            </a:r>
+          </a:p>
+          <a:p>
+            <a:pPr lvl="1"/>
+            <a:endParaRPr lang="en-US" sz="2400" dirty="0"/>
+          </a:p>
+          <a:p>
+            <a:r>
+              <a:rPr lang="en-US" dirty="0"/>
+              <a:t>Business as usual</a:t>
+            </a:r>
           </a:p>
         </p:txBody>
       </p:sp>
@@ -850,7 +850,7 @@
     </p:spTree>
     <p:extLst>
       <p:ext uri="{BB962C8B-B14F-4D97-AF65-F5344CB8AC3E}">
-        <p14:creationId xmlns:p14="http://schemas.microsoft.com/office/powerpoint/2010/main" val="1530809255"/>
+        <p14:creationId xmlns:p14="http://schemas.microsoft.com/office/powerpoint/2010/main" val="600420352"/>
       </p:ext>
     </p:extLst>
   </p:cSld>
@@ -904,6 +904,260 @@
           <a:bodyPr/>
           <a:lstStyle/>
           <a:p>
+            <a:pPr lvl="1"/>
+            <a:endParaRPr lang="en-US" dirty="0"/>
+          </a:p>
+        </p:txBody>
+      </p:sp>
+      <p:sp>
+        <p:nvSpPr>
+          <p:cNvPr id="4" name="Slide Number Placeholder 3"/>
+          <p:cNvSpPr>
+            <a:spLocks noGrp="1"/>
+          </p:cNvSpPr>
+          <p:nvPr>
+            <p:ph type="sldNum" sz="quarter" idx="5"/>
+          </p:nvPr>
+        </p:nvSpPr>
+        <p:spPr/>
+        <p:txBody>
+          <a:bodyPr/>
+          <a:lstStyle/>
+          <a:p>
+            <a:fld id="{02FEE510-2BCE-4141-9D45-5A313D1ABF4D}" type="slidenum">
+              <a:rPr lang="en-US" smtClean="0"/>
+              <a:t>5</a:t>
+            </a:fld>
+            <a:endParaRPr lang="en-US"/>
+          </a:p>
+        </p:txBody>
+      </p:sp>
+    </p:spTree>
+    <p:extLst>
+      <p:ext uri="{BB962C8B-B14F-4D97-AF65-F5344CB8AC3E}">
+        <p14:creationId xmlns:p14="http://schemas.microsoft.com/office/powerpoint/2010/main" val="1530809255"/>
+      </p:ext>
+    </p:extLst>
+  </p:cSld>
+  <p:clrMapOvr>
+    <a:masterClrMapping/>
+  </p:clrMapOvr>
+</p:notes>
+</file>
+
+<file path=ppt/notesSlides/notesSlide5.xml><?xml version="1.0" encoding="utf-8"?>
+<p:notes xmlns:a="http://schemas.openxmlformats.org/drawingml/2006/main" xmlns:r="http://schemas.openxmlformats.org/officeDocument/2006/relationships" xmlns:p="http://schemas.openxmlformats.org/presentationml/2006/main">
+  <p:cSld>
+    <p:spTree>
+      <p:nvGrpSpPr>
+        <p:cNvPr id="1" name=""/>
+        <p:cNvGrpSpPr/>
+        <p:nvPr/>
+      </p:nvGrpSpPr>
+      <p:grpSpPr>
+        <a:xfrm>
+          <a:off x="0" y="0"/>
+          <a:ext cx="0" cy="0"/>
+          <a:chOff x="0" y="0"/>
+          <a:chExt cx="0" cy="0"/>
+        </a:xfrm>
+      </p:grpSpPr>
+      <p:sp>
+        <p:nvSpPr>
+          <p:cNvPr id="2" name="Slide Image Placeholder 1"/>
+          <p:cNvSpPr>
+            <a:spLocks noGrp="1" noRot="1" noChangeAspect="1"/>
+          </p:cNvSpPr>
+          <p:nvPr>
+            <p:ph type="sldImg"/>
+          </p:nvPr>
+        </p:nvSpPr>
+        <p:spPr/>
+      </p:sp>
+      <p:sp>
+        <p:nvSpPr>
+          <p:cNvPr id="3" name="Notes Placeholder 2"/>
+          <p:cNvSpPr>
+            <a:spLocks noGrp="1"/>
+          </p:cNvSpPr>
+          <p:nvPr>
+            <p:ph type="body" idx="1"/>
+          </p:nvPr>
+        </p:nvSpPr>
+        <p:spPr/>
+        <p:txBody>
+          <a:bodyPr/>
+          <a:lstStyle/>
+          <a:p>
+            <a:endParaRPr lang="en-US" dirty="0"/>
+          </a:p>
+        </p:txBody>
+      </p:sp>
+      <p:sp>
+        <p:nvSpPr>
+          <p:cNvPr id="4" name="Slide Number Placeholder 3"/>
+          <p:cNvSpPr>
+            <a:spLocks noGrp="1"/>
+          </p:cNvSpPr>
+          <p:nvPr>
+            <p:ph type="sldNum" sz="quarter" idx="5"/>
+          </p:nvPr>
+        </p:nvSpPr>
+        <p:spPr/>
+        <p:txBody>
+          <a:bodyPr/>
+          <a:lstStyle/>
+          <a:p>
+            <a:fld id="{02FEE510-2BCE-4141-9D45-5A313D1ABF4D}" type="slidenum">
+              <a:rPr lang="en-US" smtClean="0"/>
+              <a:t>6</a:t>
+            </a:fld>
+            <a:endParaRPr lang="en-US"/>
+          </a:p>
+        </p:txBody>
+      </p:sp>
+    </p:spTree>
+    <p:extLst>
+      <p:ext uri="{BB962C8B-B14F-4D97-AF65-F5344CB8AC3E}">
+        <p14:creationId xmlns:p14="http://schemas.microsoft.com/office/powerpoint/2010/main" val="1667529181"/>
+      </p:ext>
+    </p:extLst>
+  </p:cSld>
+  <p:clrMapOvr>
+    <a:masterClrMapping/>
+  </p:clrMapOvr>
+</p:notes>
+</file>
+
+<file path=ppt/notesSlides/notesSlide6.xml><?xml version="1.0" encoding="utf-8"?>
+<p:notes xmlns:a="http://schemas.openxmlformats.org/drawingml/2006/main" xmlns:r="http://schemas.openxmlformats.org/officeDocument/2006/relationships" xmlns:p="http://schemas.openxmlformats.org/presentationml/2006/main">
+  <p:cSld>
+    <p:spTree>
+      <p:nvGrpSpPr>
+        <p:cNvPr id="1" name=""/>
+        <p:cNvGrpSpPr/>
+        <p:nvPr/>
+      </p:nvGrpSpPr>
+      <p:grpSpPr>
+        <a:xfrm>
+          <a:off x="0" y="0"/>
+          <a:ext cx="0" cy="0"/>
+          <a:chOff x="0" y="0"/>
+          <a:chExt cx="0" cy="0"/>
+        </a:xfrm>
+      </p:grpSpPr>
+      <p:sp>
+        <p:nvSpPr>
+          <p:cNvPr id="2" name="Slide Image Placeholder 1"/>
+          <p:cNvSpPr>
+            <a:spLocks noGrp="1" noRot="1" noChangeAspect="1"/>
+          </p:cNvSpPr>
+          <p:nvPr>
+            <p:ph type="sldImg"/>
+          </p:nvPr>
+        </p:nvSpPr>
+        <p:spPr/>
+      </p:sp>
+      <p:sp>
+        <p:nvSpPr>
+          <p:cNvPr id="3" name="Notes Placeholder 2"/>
+          <p:cNvSpPr>
+            <a:spLocks noGrp="1"/>
+          </p:cNvSpPr>
+          <p:nvPr>
+            <p:ph type="body" idx="1"/>
+          </p:nvPr>
+        </p:nvSpPr>
+        <p:spPr/>
+        <p:txBody>
+          <a:bodyPr/>
+          <a:lstStyle/>
+          <a:p>
+            <a:pPr lvl="1"/>
+            <a:endParaRPr lang="en-US" dirty="0"/>
+          </a:p>
+        </p:txBody>
+      </p:sp>
+      <p:sp>
+        <p:nvSpPr>
+          <p:cNvPr id="4" name="Slide Number Placeholder 3"/>
+          <p:cNvSpPr>
+            <a:spLocks noGrp="1"/>
+          </p:cNvSpPr>
+          <p:nvPr>
+            <p:ph type="sldNum" sz="quarter" idx="5"/>
+          </p:nvPr>
+        </p:nvSpPr>
+        <p:spPr/>
+        <p:txBody>
+          <a:bodyPr/>
+          <a:lstStyle/>
+          <a:p>
+            <a:fld id="{02FEE510-2BCE-4141-9D45-5A313D1ABF4D}" type="slidenum">
+              <a:rPr lang="en-US" smtClean="0"/>
+              <a:t>8</a:t>
+            </a:fld>
+            <a:endParaRPr lang="en-US"/>
+          </a:p>
+        </p:txBody>
+      </p:sp>
+    </p:spTree>
+    <p:extLst>
+      <p:ext uri="{BB962C8B-B14F-4D97-AF65-F5344CB8AC3E}">
+        <p14:creationId xmlns:p14="http://schemas.microsoft.com/office/powerpoint/2010/main" val="1107877236"/>
+      </p:ext>
+    </p:extLst>
+  </p:cSld>
+  <p:clrMapOvr>
+    <a:masterClrMapping/>
+  </p:clrMapOvr>
+</p:notes>
+</file>
+
+<file path=ppt/notesSlides/notesSlide7.xml><?xml version="1.0" encoding="utf-8"?>
+<p:notes xmlns:a="http://schemas.openxmlformats.org/drawingml/2006/main" xmlns:r="http://schemas.openxmlformats.org/officeDocument/2006/relationships" xmlns:p="http://schemas.openxmlformats.org/presentationml/2006/main">
+  <p:cSld>
+    <p:spTree>
+      <p:nvGrpSpPr>
+        <p:cNvPr id="1" name=""/>
+        <p:cNvGrpSpPr/>
+        <p:nvPr/>
+      </p:nvGrpSpPr>
+      <p:grpSpPr>
+        <a:xfrm>
+          <a:off x="0" y="0"/>
+          <a:ext cx="0" cy="0"/>
+          <a:chOff x="0" y="0"/>
+          <a:chExt cx="0" cy="0"/>
+        </a:xfrm>
+      </p:grpSpPr>
+      <p:sp>
+        <p:nvSpPr>
+          <p:cNvPr id="2" name="Slide Image Placeholder 1"/>
+          <p:cNvSpPr>
+            <a:spLocks noGrp="1" noRot="1" noChangeAspect="1"/>
+          </p:cNvSpPr>
+          <p:nvPr>
+            <p:ph type="sldImg"/>
+          </p:nvPr>
+        </p:nvSpPr>
+        <p:spPr/>
+      </p:sp>
+      <p:sp>
+        <p:nvSpPr>
+          <p:cNvPr id="3" name="Notes Placeholder 2"/>
+          <p:cNvSpPr>
+            <a:spLocks noGrp="1"/>
+          </p:cNvSpPr>
+          <p:nvPr>
+            <p:ph type="body" idx="1"/>
+          </p:nvPr>
+        </p:nvSpPr>
+        <p:spPr/>
+        <p:txBody>
+          <a:bodyPr/>
+          <a:lstStyle/>
+          <a:p>
             <a:r>
               <a:rPr lang="en-US" dirty="0"/>
               <a:t>App called “Narcan Distributor” or “Narcan Mapper”</a:t>
@@ -1112,7 +1366,7 @@
           <a:p>
             <a:fld id="{02FEE510-2BCE-4141-9D45-5A313D1ABF4D}" type="slidenum">
               <a:rPr lang="en-US" smtClean="0"/>
-              <a:t>8</a:t>
+              <a:t>9</a:t>
             </a:fld>
             <a:endParaRPr lang="en-US"/>
           </a:p>
@@ -7054,14 +7308,21 @@
             <p:ph type="ctrTitle"/>
           </p:nvPr>
         </p:nvSpPr>
-        <p:spPr/>
-        <p:txBody>
-          <a:bodyPr/>
+        <p:spPr>
+          <a:xfrm>
+            <a:off x="808601" y="640454"/>
+            <a:ext cx="10564215" cy="910050"/>
+          </a:xfrm>
+        </p:spPr>
+        <p:txBody>
+          <a:bodyPr>
+            <a:normAutofit fontScale="90000"/>
+          </a:bodyPr>
           <a:lstStyle/>
           <a:p>
             <a:r>
               <a:rPr lang="en-US" dirty="0"/>
-              <a:t>Title slide</a:t>
+              <a:t>Opioid Overdoses in Cincinnati, Ohio</a:t>
             </a:r>
           </a:p>
         </p:txBody>
@@ -7082,29 +7343,60 @@
             <p:ph type="subTitle" idx="1"/>
           </p:nvPr>
         </p:nvSpPr>
-        <p:spPr/>
-        <p:txBody>
-          <a:bodyPr/>
+        <p:spPr>
+          <a:xfrm>
+            <a:off x="1370692" y="1729783"/>
+            <a:ext cx="9440034" cy="1049867"/>
+          </a:xfrm>
+        </p:spPr>
+        <p:txBody>
+          <a:bodyPr>
+            <a:normAutofit/>
+          </a:bodyPr>
           <a:lstStyle/>
           <a:p>
             <a:r>
-              <a:rPr lang="en-US" dirty="0"/>
+              <a:rPr lang="en-US" sz="2800" dirty="0"/>
               <a:t>Claire Allen-Platt and Nicolas Corona</a:t>
             </a:r>
           </a:p>
-          <a:p>
-            <a:r>
-              <a:rPr lang="en-US" dirty="0"/>
-              <a:t>Put picture of </a:t>
-            </a:r>
-            <a:r>
-              <a:rPr lang="en-US" dirty="0" err="1"/>
-              <a:t>ohio</a:t>
-            </a:r>
-            <a:endParaRPr lang="en-US" dirty="0"/>
-          </a:p>
-        </p:txBody>
-      </p:sp>
+        </p:txBody>
+      </p:sp>
+      <p:pic>
+        <p:nvPicPr>
+          <p:cNvPr id="5" name="Picture 4" descr="A close up of a map&#10;&#10;Description automatically generated">
+            <a:extLst>
+              <a:ext uri="{FF2B5EF4-FFF2-40B4-BE49-F238E27FC236}">
+                <a16:creationId xmlns:a16="http://schemas.microsoft.com/office/drawing/2014/main" id="{3D3CE4C1-7892-4384-BC19-35C1A2FB8EC0}"/>
+              </a:ext>
+            </a:extLst>
+          </p:cNvPr>
+          <p:cNvPicPr>
+            <a:picLocks noChangeAspect="1"/>
+          </p:cNvPicPr>
+          <p:nvPr/>
+        </p:nvPicPr>
+        <p:blipFill rotWithShape="1">
+          <a:blip r:embed="rId2">
+            <a:extLst>
+              <a:ext uri="{28A0092B-C50C-407E-A947-70E740481C1C}">
+                <a14:useLocalDpi xmlns:a14="http://schemas.microsoft.com/office/drawing/2010/main" val="0"/>
+              </a:ext>
+            </a:extLst>
+          </a:blip>
+          <a:srcRect l="24348" r="23829"/>
+          <a:stretch/>
+        </p:blipFill>
+        <p:spPr>
+          <a:xfrm>
+            <a:off x="3546292" y="2441876"/>
+            <a:ext cx="5088836" cy="4165283"/>
+          </a:xfrm>
+          <a:prstGeom prst="rect">
+            <a:avLst/>
+          </a:prstGeom>
+        </p:spPr>
+      </p:pic>
     </p:spTree>
     <p:extLst>
       <p:ext uri="{BB962C8B-B14F-4D97-AF65-F5344CB8AC3E}">
@@ -7135,59 +7427,338 @@
           <a:chExt cx="0" cy="0"/>
         </a:xfrm>
       </p:grpSpPr>
-      <p:sp>
-        <p:nvSpPr>
-          <p:cNvPr id="2" name="Title 1">
+      <p:pic>
+        <p:nvPicPr>
+          <p:cNvPr id="6" name="Picture 5">
             <a:extLst>
               <a:ext uri="{FF2B5EF4-FFF2-40B4-BE49-F238E27FC236}">
-                <a16:creationId xmlns:a16="http://schemas.microsoft.com/office/drawing/2014/main" id="{267843C7-11E9-4C6B-84DF-CD8A5D498DC6}"/>
+                <a16:creationId xmlns:a16="http://schemas.microsoft.com/office/drawing/2014/main" id="{DC04FC94-98C6-404E-9AFA-6A28196BD219}"/>
               </a:ext>
             </a:extLst>
           </p:cNvPr>
-          <p:cNvSpPr>
-            <a:spLocks noGrp="1"/>
-          </p:cNvSpPr>
-          <p:nvPr>
-            <p:ph type="ctrTitle"/>
-          </p:nvPr>
-        </p:nvSpPr>
-        <p:spPr/>
-        <p:txBody>
-          <a:bodyPr/>
-          <a:lstStyle/>
-          <a:p>
-            <a:r>
-              <a:rPr lang="en-US" dirty="0"/>
-              <a:t>Wireframe + conclusion</a:t>
-            </a:r>
-          </a:p>
-        </p:txBody>
-      </p:sp>
-      <p:sp>
-        <p:nvSpPr>
-          <p:cNvPr id="3" name="Subtitle 2">
+          <p:cNvPicPr>
+            <a:picLocks noChangeAspect="1"/>
+          </p:cNvPicPr>
+          <p:nvPr/>
+        </p:nvPicPr>
+        <p:blipFill>
+          <a:blip r:embed="rId2"/>
+          <a:stretch>
+            <a:fillRect/>
+          </a:stretch>
+        </p:blipFill>
+        <p:spPr>
+          <a:xfrm>
+            <a:off x="205237" y="91439"/>
+            <a:ext cx="3169281" cy="6547899"/>
+          </a:xfrm>
+          <a:prstGeom prst="rect">
+            <a:avLst/>
+          </a:prstGeom>
+        </p:spPr>
+      </p:pic>
+      <p:pic>
+        <p:nvPicPr>
+          <p:cNvPr id="7" name="Picture 6">
             <a:extLst>
               <a:ext uri="{FF2B5EF4-FFF2-40B4-BE49-F238E27FC236}">
-                <a16:creationId xmlns:a16="http://schemas.microsoft.com/office/drawing/2014/main" id="{C40AF8DD-0739-497B-B6BB-06F0947CD757}"/>
+                <a16:creationId xmlns:a16="http://schemas.microsoft.com/office/drawing/2014/main" id="{08A0ADB8-38DB-4E53-8B45-F0899B7BA5E2}"/>
               </a:ext>
             </a:extLst>
           </p:cNvPr>
-          <p:cNvSpPr>
-            <a:spLocks noGrp="1"/>
-          </p:cNvSpPr>
-          <p:nvPr>
-            <p:ph type="subTitle" idx="1"/>
-          </p:nvPr>
-        </p:nvSpPr>
-        <p:spPr/>
-        <p:txBody>
-          <a:bodyPr/>
+          <p:cNvPicPr>
+            <a:picLocks noChangeAspect="1"/>
+          </p:cNvPicPr>
+          <p:nvPr/>
+        </p:nvPicPr>
+        <p:blipFill rotWithShape="1">
+          <a:blip r:embed="rId3"/>
+          <a:srcRect t="81855"/>
+          <a:stretch/>
+        </p:blipFill>
+        <p:spPr>
+          <a:xfrm>
+            <a:off x="5433907" y="5250898"/>
+            <a:ext cx="3802743" cy="1244379"/>
+          </a:xfrm>
+          <a:prstGeom prst="rect">
+            <a:avLst/>
+          </a:prstGeom>
+        </p:spPr>
+      </p:pic>
+      <p:sp>
+        <p:nvSpPr>
+          <p:cNvPr id="8" name="Title 1">
+            <a:extLst>
+              <a:ext uri="{FF2B5EF4-FFF2-40B4-BE49-F238E27FC236}">
+                <a16:creationId xmlns:a16="http://schemas.microsoft.com/office/drawing/2014/main" id="{9872134C-CE10-4264-AE34-915D723CB3CB}"/>
+              </a:ext>
+            </a:extLst>
+          </p:cNvPr>
+          <p:cNvSpPr txBox="1">
+            <a:spLocks/>
+          </p:cNvSpPr>
+          <p:nvPr/>
+        </p:nvSpPr>
+        <p:spPr>
+          <a:xfrm>
+            <a:off x="4614944" y="230550"/>
+            <a:ext cx="5876014" cy="970450"/>
+          </a:xfrm>
+          <a:prstGeom prst="rect">
+            <a:avLst/>
+          </a:prstGeom>
+          <a:effectLst>
+            <a:outerShdw blurRad="25400" dir="17880000">
+              <a:srgbClr val="000000">
+                <a:alpha val="46000"/>
+              </a:srgbClr>
+            </a:outerShdw>
+          </a:effectLst>
+        </p:spPr>
+        <p:txBody>
+          <a:bodyPr vert="horz" lIns="91440" tIns="45720" rIns="91440" bIns="45720" rtlCol="0" anchor="b">
+            <a:normAutofit/>
+          </a:bodyPr>
+          <a:lstStyle>
+            <a:lvl1pPr algn="ctr" defTabSz="457200" rtl="0" eaLnBrk="1" latinLnBrk="0" hangingPunct="1">
+              <a:spcBef>
+                <a:spcPct val="0"/>
+              </a:spcBef>
+              <a:buNone/>
+              <a:defRPr sz="5400" kern="1200">
+                <a:ln>
+                  <a:solidFill>
+                    <a:schemeClr val="bg1">
+                      <a:lumMod val="75000"/>
+                      <a:lumOff val="25000"/>
+                      <a:alpha val="10000"/>
+                    </a:schemeClr>
+                  </a:solidFill>
+                </a:ln>
+                <a:solidFill>
+                  <a:schemeClr val="tx2"/>
+                </a:solidFill>
+                <a:effectLst>
+                  <a:outerShdw blurRad="9525" dist="25400" dir="14640000" algn="tl" rotWithShape="0">
+                    <a:schemeClr val="bg1">
+                      <a:alpha val="30000"/>
+                    </a:schemeClr>
+                  </a:outerShdw>
+                </a:effectLst>
+                <a:latin typeface="+mj-lt"/>
+                <a:ea typeface="+mj-ea"/>
+                <a:cs typeface="Trebuchet MS"/>
+              </a:defRPr>
+            </a:lvl1pPr>
+            <a:lvl2pPr eaLnBrk="1" hangingPunct="1">
+              <a:defRPr>
+                <a:solidFill>
+                  <a:schemeClr val="tx2"/>
+                </a:solidFill>
+              </a:defRPr>
+            </a:lvl2pPr>
+            <a:lvl3pPr eaLnBrk="1" hangingPunct="1">
+              <a:defRPr>
+                <a:solidFill>
+                  <a:schemeClr val="tx2"/>
+                </a:solidFill>
+              </a:defRPr>
+            </a:lvl3pPr>
+            <a:lvl4pPr eaLnBrk="1" hangingPunct="1">
+              <a:defRPr>
+                <a:solidFill>
+                  <a:schemeClr val="tx2"/>
+                </a:solidFill>
+              </a:defRPr>
+            </a:lvl4pPr>
+            <a:lvl5pPr eaLnBrk="1" hangingPunct="1">
+              <a:defRPr>
+                <a:solidFill>
+                  <a:schemeClr val="tx2"/>
+                </a:solidFill>
+              </a:defRPr>
+            </a:lvl5pPr>
+            <a:lvl6pPr eaLnBrk="1" hangingPunct="1">
+              <a:defRPr>
+                <a:solidFill>
+                  <a:schemeClr val="tx2"/>
+                </a:solidFill>
+              </a:defRPr>
+            </a:lvl6pPr>
+            <a:lvl7pPr eaLnBrk="1" hangingPunct="1">
+              <a:defRPr>
+                <a:solidFill>
+                  <a:schemeClr val="tx2"/>
+                </a:solidFill>
+              </a:defRPr>
+            </a:lvl7pPr>
+            <a:lvl8pPr eaLnBrk="1" hangingPunct="1">
+              <a:defRPr>
+                <a:solidFill>
+                  <a:schemeClr val="tx2"/>
+                </a:solidFill>
+              </a:defRPr>
+            </a:lvl8pPr>
+            <a:lvl9pPr eaLnBrk="1" hangingPunct="1">
+              <a:defRPr>
+                <a:solidFill>
+                  <a:schemeClr val="tx2"/>
+                </a:solidFill>
+              </a:defRPr>
+            </a:lvl9pPr>
+          </a:lstStyle>
+          <a:p>
+            <a:r>
+              <a:rPr lang="en-US" dirty="0"/>
+              <a:t>Narcan Distributor</a:t>
+            </a:r>
+          </a:p>
+        </p:txBody>
+      </p:sp>
+      <p:sp>
+        <p:nvSpPr>
+          <p:cNvPr id="9" name="TextBox 8">
+            <a:extLst>
+              <a:ext uri="{FF2B5EF4-FFF2-40B4-BE49-F238E27FC236}">
+                <a16:creationId xmlns:a16="http://schemas.microsoft.com/office/drawing/2014/main" id="{0AD62B7F-2B96-404C-9C77-26F87183CB21}"/>
+              </a:ext>
+            </a:extLst>
+          </p:cNvPr>
+          <p:cNvSpPr txBox="1"/>
+          <p:nvPr/>
+        </p:nvSpPr>
+        <p:spPr>
+          <a:xfrm>
+            <a:off x="3556044" y="1411007"/>
+            <a:ext cx="8462012" cy="3908762"/>
+          </a:xfrm>
+          <a:prstGeom prst="rect">
+            <a:avLst/>
+          </a:prstGeom>
+          <a:noFill/>
+        </p:spPr>
+        <p:txBody>
+          <a:bodyPr wrap="square" rtlCol="0">
+            <a:spAutoFit/>
+          </a:bodyPr>
           <a:lstStyle/>
           <a:p>
-            <a:endParaRPr lang="en-US"/>
-          </a:p>
-        </p:txBody>
-      </p:sp>
+            <a:pPr marL="457200" indent="-457200">
+              <a:buFontTx/>
+              <a:buChar char="-"/>
+            </a:pPr>
+            <a:r>
+              <a:rPr lang="en-US" sz="2800" dirty="0"/>
+              <a:t>Identifies locations with a mismatch between risk and kit distribution or training </a:t>
+            </a:r>
+          </a:p>
+          <a:p>
+            <a:pPr marL="457200" indent="-457200">
+              <a:buFontTx/>
+              <a:buChar char="-"/>
+            </a:pPr>
+            <a:r>
+              <a:rPr lang="en-US" sz="2800" dirty="0"/>
+              <a:t>Identifies areas without recent refresher training</a:t>
+            </a:r>
+          </a:p>
+          <a:p>
+            <a:pPr marL="457200" indent="-457200">
+              <a:buFontTx/>
+              <a:buChar char="-"/>
+            </a:pPr>
+            <a:r>
+              <a:rPr lang="en-US" sz="2800" dirty="0"/>
+              <a:t>Maps change in risk over time and shifts its recommendations accordingly</a:t>
+            </a:r>
+          </a:p>
+          <a:p>
+            <a:pPr marL="457200" indent="-457200">
+              <a:buFontTx/>
+              <a:buChar char="-"/>
+            </a:pPr>
+            <a:endParaRPr lang="en-US" sz="2800" dirty="0"/>
+          </a:p>
+          <a:p>
+            <a:pPr marL="457200" indent="-457200">
+              <a:buFontTx/>
+              <a:buChar char="-"/>
+            </a:pPr>
+            <a:r>
+              <a:rPr lang="en-US" sz="2800" dirty="0"/>
+              <a:t>Recommends locations (parks, fast-food restaurants, libraries) for direct outreach</a:t>
+            </a:r>
+          </a:p>
+          <a:p>
+            <a:pPr marL="285750" indent="-285750">
+              <a:buFont typeface="Arial" panose="020B0604020202020204" pitchFamily="34" charset="0"/>
+              <a:buChar char="•"/>
+            </a:pPr>
+            <a:endParaRPr lang="en-US" sz="2400" dirty="0"/>
+          </a:p>
+        </p:txBody>
+      </p:sp>
+    </p:spTree>
+    <p:extLst>
+      <p:ext uri="{BB962C8B-B14F-4D97-AF65-F5344CB8AC3E}">
+        <p14:creationId xmlns:p14="http://schemas.microsoft.com/office/powerpoint/2010/main" val="230181181"/>
+      </p:ext>
+    </p:extLst>
+  </p:cSld>
+  <p:clrMapOvr>
+    <a:masterClrMapping/>
+  </p:clrMapOvr>
+</p:sld>
+</file>
+
+<file path=ppt/slides/slide11.xml><?xml version="1.0" encoding="utf-8"?>
+<p:sld xmlns:a="http://schemas.openxmlformats.org/drawingml/2006/main" xmlns:r="http://schemas.openxmlformats.org/officeDocument/2006/relationships" xmlns:p="http://schemas.openxmlformats.org/presentationml/2006/main">
+  <p:cSld>
+    <p:spTree>
+      <p:nvGrpSpPr>
+        <p:cNvPr id="1" name=""/>
+        <p:cNvGrpSpPr/>
+        <p:nvPr/>
+      </p:nvGrpSpPr>
+      <p:grpSpPr>
+        <a:xfrm>
+          <a:off x="0" y="0"/>
+          <a:ext cx="0" cy="0"/>
+          <a:chOff x="0" y="0"/>
+          <a:chExt cx="0" cy="0"/>
+        </a:xfrm>
+      </p:grpSpPr>
+      <p:pic>
+        <p:nvPicPr>
+          <p:cNvPr id="7" name="Picture 6">
+            <a:extLst>
+              <a:ext uri="{FF2B5EF4-FFF2-40B4-BE49-F238E27FC236}">
+                <a16:creationId xmlns:a16="http://schemas.microsoft.com/office/drawing/2014/main" id="{25F525C4-78D4-4DE7-B2CC-9395122E2938}"/>
+              </a:ext>
+            </a:extLst>
+          </p:cNvPr>
+          <p:cNvPicPr>
+            <a:picLocks noChangeAspect="1"/>
+          </p:cNvPicPr>
+          <p:nvPr/>
+        </p:nvPicPr>
+        <p:blipFill>
+          <a:blip r:embed="rId2"/>
+          <a:stretch>
+            <a:fillRect/>
+          </a:stretch>
+        </p:blipFill>
+        <p:spPr>
+          <a:xfrm>
+            <a:off x="4447878" y="0"/>
+            <a:ext cx="3296244" cy="6858000"/>
+          </a:xfrm>
+          <a:prstGeom prst="rect">
+            <a:avLst/>
+          </a:prstGeom>
+        </p:spPr>
+      </p:pic>
     </p:spTree>
     <p:extLst>
       <p:ext uri="{BB962C8B-B14F-4D97-AF65-F5344CB8AC3E}">
@@ -7406,36 +7977,55 @@
       </p:grpSpPr>
       <p:sp>
         <p:nvSpPr>
-          <p:cNvPr id="2" name="Title 1">
+          <p:cNvPr id="2" name="Rectangle 1">
             <a:extLst>
               <a:ext uri="{FF2B5EF4-FFF2-40B4-BE49-F238E27FC236}">
-                <a16:creationId xmlns:a16="http://schemas.microsoft.com/office/drawing/2014/main" id="{0C3F18D6-0CD4-4FBF-900B-E8CF8A326ADF}"/>
+                <a16:creationId xmlns:a16="http://schemas.microsoft.com/office/drawing/2014/main" id="{75E99DAC-84A6-4876-8553-AF330388862B}"/>
               </a:ext>
             </a:extLst>
           </p:cNvPr>
-          <p:cNvSpPr>
-            <a:spLocks noGrp="1"/>
-          </p:cNvSpPr>
-          <p:nvPr>
-            <p:ph type="title"/>
-          </p:nvPr>
+          <p:cNvSpPr/>
+          <p:nvPr/>
         </p:nvSpPr>
         <p:spPr>
           <a:xfrm>
-            <a:off x="672950" y="248092"/>
-            <a:ext cx="10353762" cy="970450"/>
+            <a:off x="4912191" y="172941"/>
+            <a:ext cx="6941489" cy="6448507"/>
           </a:xfrm>
+          <a:prstGeom prst="rect">
+            <a:avLst/>
+          </a:prstGeom>
+          <a:solidFill>
+            <a:schemeClr val="tx1"/>
+          </a:solidFill>
+          <a:ln>
+            <a:solidFill>
+              <a:schemeClr val="tx1"/>
+            </a:solidFill>
+          </a:ln>
         </p:spPr>
-        <p:txBody>
-          <a:bodyPr>
-            <a:normAutofit/>
-          </a:bodyPr>
+        <p:style>
+          <a:lnRef idx="2">
+            <a:schemeClr val="accent1">
+              <a:shade val="50000"/>
+            </a:schemeClr>
+          </a:lnRef>
+          <a:fillRef idx="1">
+            <a:schemeClr val="accent1"/>
+          </a:fillRef>
+          <a:effectRef idx="0">
+            <a:schemeClr val="accent1"/>
+          </a:effectRef>
+          <a:fontRef idx="minor">
+            <a:schemeClr val="lt1"/>
+          </a:fontRef>
+        </p:style>
+        <p:txBody>
+          <a:bodyPr rtlCol="0" anchor="ctr"/>
           <a:lstStyle/>
           <a:p>
-            <a:r>
-              <a:rPr lang="en-US" dirty="0"/>
-              <a:t>Our Proposed Data-driven Approach</a:t>
-            </a:r>
+            <a:pPr algn="ctr"/>
+            <a:endParaRPr lang="en-US"/>
           </a:p>
         </p:txBody>
       </p:sp>
@@ -7444,7 +8034,7 @@
           <p:cNvPr id="3" name="Content Placeholder 2">
             <a:extLst>
               <a:ext uri="{FF2B5EF4-FFF2-40B4-BE49-F238E27FC236}">
-                <a16:creationId xmlns:a16="http://schemas.microsoft.com/office/drawing/2014/main" id="{EA8E35BC-1FD0-4552-B52F-24C6A6835458}"/>
+                <a16:creationId xmlns:a16="http://schemas.microsoft.com/office/drawing/2014/main" id="{AC26F517-4B09-49DE-8817-A33CD231ED9B}"/>
               </a:ext>
             </a:extLst>
           </p:cNvPr>
@@ -7457,45 +8047,751 @@
         </p:nvSpPr>
         <p:spPr>
           <a:xfrm>
-            <a:off x="919118" y="1339043"/>
-            <a:ext cx="10353763" cy="4895179"/>
+            <a:off x="630221" y="993700"/>
+            <a:ext cx="3490722" cy="5254113"/>
           </a:xfrm>
         </p:spPr>
         <p:txBody>
           <a:bodyPr>
-            <a:normAutofit/>
+            <a:noAutofit/>
           </a:bodyPr>
           <a:lstStyle/>
           <a:p>
-            <a:r>
-              <a:rPr lang="en-US" sz="2800" dirty="0"/>
-              <a:t>Build a statistical model to predict the latent risk of heroin overdoses</a:t>
-            </a:r>
-          </a:p>
-          <a:p>
-            <a:r>
-              <a:rPr lang="en-US" sz="2800" dirty="0"/>
-              <a:t>Identify areas in Cincinnati that are high-risk for overdoses</a:t>
-            </a:r>
-          </a:p>
-          <a:p>
-            <a:pPr lvl="1"/>
-            <a:r>
-              <a:rPr lang="en-US" sz="2600" dirty="0"/>
-              <a:t>Overdose deaths are hyper-local</a:t>
-            </a:r>
-          </a:p>
-          <a:p>
-            <a:pPr lvl="1"/>
-            <a:r>
-              <a:rPr lang="en-US" sz="2600" dirty="0"/>
-              <a:t>Overdose patterns vary over time seasonally</a:t>
-            </a:r>
-          </a:p>
-          <a:p>
-            <a:r>
-              <a:rPr lang="en-US" sz="2800" dirty="0"/>
-              <a:t>Use the results to identify areas in which to focus the Narcan Distribution Collaborative’s take-home kit distribution and training programs</a:t>
+            <a:pPr marL="0" indent="0">
+              <a:buNone/>
+            </a:pPr>
+            <a:r>
+              <a:rPr lang="en-US" dirty="0"/>
+              <a:t>In 2017, Ohio had the </a:t>
+            </a:r>
+            <a:r>
+              <a:rPr lang="en-US" b="1" dirty="0">
+                <a:solidFill>
+                  <a:schemeClr val="accent2"/>
+                </a:solidFill>
+              </a:rPr>
+              <a:t>second highest opioid overdose rate</a:t>
+            </a:r>
+            <a:r>
+              <a:rPr lang="en-US" dirty="0"/>
+              <a:t> in the US</a:t>
+            </a:r>
+            <a:r>
+              <a:rPr lang="en-US" baseline="30000" dirty="0"/>
+              <a:t>1</a:t>
+            </a:r>
+          </a:p>
+          <a:p>
+            <a:pPr marL="0" indent="0">
+              <a:buNone/>
+            </a:pPr>
+            <a:endParaRPr lang="en-US" sz="500" dirty="0"/>
+          </a:p>
+          <a:p>
+            <a:pPr marL="0" indent="0">
+              <a:buNone/>
+            </a:pPr>
+            <a:r>
+              <a:rPr lang="en-US" dirty="0"/>
+              <a:t>Southwestern Ohio reported the highest overdose death rate</a:t>
+            </a:r>
+            <a:r>
+              <a:rPr lang="en-US" baseline="30000" dirty="0"/>
+              <a:t>2</a:t>
+            </a:r>
+          </a:p>
+          <a:p>
+            <a:pPr marL="0" indent="0">
+              <a:buNone/>
+            </a:pPr>
+            <a:endParaRPr lang="en-US" sz="500" baseline="30000" dirty="0"/>
+          </a:p>
+          <a:p>
+            <a:pPr marL="0" indent="0">
+              <a:buNone/>
+            </a:pPr>
+            <a:r>
+              <a:rPr lang="en-US" dirty="0"/>
+              <a:t>The city of </a:t>
+            </a:r>
+            <a:r>
+              <a:rPr lang="en-US" b="1" dirty="0">
+                <a:solidFill>
+                  <a:schemeClr val="accent2"/>
+                </a:solidFill>
+              </a:rPr>
+              <a:t>Cincinnati</a:t>
+            </a:r>
+            <a:r>
+              <a:rPr lang="en-US" dirty="0"/>
+              <a:t> experienced a 50% rise in opioid overdoses since 2015</a:t>
+            </a:r>
+            <a:r>
+              <a:rPr lang="en-US" baseline="30000" dirty="0"/>
+              <a:t>3</a:t>
+            </a:r>
+            <a:r>
+              <a:rPr lang="en-US" dirty="0"/>
+              <a:t>, with </a:t>
+            </a:r>
+            <a:r>
+              <a:rPr lang="en-US" b="1" dirty="0">
+                <a:solidFill>
+                  <a:schemeClr val="accent2"/>
+                </a:solidFill>
+              </a:rPr>
+              <a:t>heroin overdoses declared an “epidemic”</a:t>
+            </a:r>
+            <a:r>
+              <a:rPr lang="en-US" baseline="30000" dirty="0"/>
+              <a:t>4</a:t>
+            </a:r>
+          </a:p>
+          <a:p>
+            <a:pPr marL="0" indent="0">
+              <a:buNone/>
+            </a:pPr>
+            <a:endParaRPr lang="en-US" sz="500" dirty="0"/>
+          </a:p>
+          <a:p>
+            <a:pPr marL="0" indent="0">
+              <a:buNone/>
+            </a:pPr>
+            <a:r>
+              <a:rPr lang="en-US" dirty="0"/>
+              <a:t>The county began distributing take-home kits of the overdose reversal drug </a:t>
+            </a:r>
+            <a:r>
+              <a:rPr lang="en-US" b="1" dirty="0">
+                <a:solidFill>
+                  <a:schemeClr val="accent2"/>
+                </a:solidFill>
+              </a:rPr>
+              <a:t>Naloxone</a:t>
+            </a:r>
+            <a:r>
+              <a:rPr lang="en-US" dirty="0"/>
+              <a:t> in 2017</a:t>
+            </a:r>
+          </a:p>
+        </p:txBody>
+      </p:sp>
+      <p:sp>
+        <p:nvSpPr>
+          <p:cNvPr id="5" name="TextBox 4">
+            <a:extLst>
+              <a:ext uri="{FF2B5EF4-FFF2-40B4-BE49-F238E27FC236}">
+                <a16:creationId xmlns:a16="http://schemas.microsoft.com/office/drawing/2014/main" id="{5580F9BB-0756-42A2-A056-032E550A87E5}"/>
+              </a:ext>
+            </a:extLst>
+          </p:cNvPr>
+          <p:cNvSpPr txBox="1"/>
+          <p:nvPr/>
+        </p:nvSpPr>
+        <p:spPr>
+          <a:xfrm>
+            <a:off x="1421469" y="6293393"/>
+            <a:ext cx="3490722" cy="400110"/>
+          </a:xfrm>
+          <a:prstGeom prst="rect">
+            <a:avLst/>
+          </a:prstGeom>
+          <a:noFill/>
+        </p:spPr>
+        <p:txBody>
+          <a:bodyPr wrap="square" rtlCol="0">
+            <a:spAutoFit/>
+          </a:bodyPr>
+          <a:lstStyle/>
+          <a:p>
+            <a:pPr>
+              <a:spcAft>
+                <a:spcPts val="600"/>
+              </a:spcAft>
+            </a:pPr>
+            <a:r>
+              <a:rPr lang="en-US" sz="1000" baseline="30000" dirty="0"/>
+              <a:t>1</a:t>
+            </a:r>
+            <a:r>
+              <a:rPr lang="en-US" sz="1000" dirty="0"/>
+              <a:t>National Institute on Drug Abuse, 2019; </a:t>
+            </a:r>
+            <a:r>
+              <a:rPr lang="en-US" sz="1000" baseline="30000" dirty="0"/>
+              <a:t>2</a:t>
+            </a:r>
+            <a:r>
+              <a:rPr lang="en-US" sz="1000" dirty="0"/>
+              <a:t>Ohio Dept. of Health, 2017; </a:t>
+            </a:r>
+            <a:r>
+              <a:rPr lang="en-US" sz="1000" baseline="30000" dirty="0"/>
+              <a:t>3</a:t>
+            </a:r>
+            <a:r>
+              <a:rPr lang="en-US" sz="1000" dirty="0"/>
+              <a:t>Li et al., 2019; </a:t>
+            </a:r>
+            <a:r>
+              <a:rPr lang="en-US" sz="1000" baseline="30000" dirty="0"/>
+              <a:t>4</a:t>
+            </a:r>
+            <a:r>
+              <a:rPr lang="en-US" sz="1000" dirty="0"/>
+              <a:t>CincyInsights, 2019</a:t>
+            </a:r>
+          </a:p>
+        </p:txBody>
+      </p:sp>
+      <p:sp>
+        <p:nvSpPr>
+          <p:cNvPr id="39" name="Title 1">
+            <a:extLst>
+              <a:ext uri="{FF2B5EF4-FFF2-40B4-BE49-F238E27FC236}">
+                <a16:creationId xmlns:a16="http://schemas.microsoft.com/office/drawing/2014/main" id="{4E50A69F-84C1-4A79-892D-71E3085396A9}"/>
+              </a:ext>
+            </a:extLst>
+          </p:cNvPr>
+          <p:cNvSpPr>
+            <a:spLocks noGrp="1"/>
+          </p:cNvSpPr>
+          <p:nvPr>
+            <p:ph type="title"/>
+          </p:nvPr>
+        </p:nvSpPr>
+        <p:spPr>
+          <a:xfrm>
+            <a:off x="850684" y="-150259"/>
+            <a:ext cx="2900453" cy="1325563"/>
+          </a:xfrm>
+        </p:spPr>
+        <p:txBody>
+          <a:bodyPr/>
+          <a:lstStyle/>
+          <a:p>
+            <a:pPr algn="ctr"/>
+            <a:r>
+              <a:rPr lang="en-US" dirty="0"/>
+              <a:t>Problem</a:t>
+            </a:r>
+            <a:endParaRPr lang="en-US" dirty="0">
+              <a:solidFill>
+                <a:schemeClr val="bg1"/>
+              </a:solidFill>
+            </a:endParaRPr>
+          </a:p>
+        </p:txBody>
+      </p:sp>
+      <p:sp>
+        <p:nvSpPr>
+          <p:cNvPr id="65" name="TextBox 64">
+            <a:extLst>
+              <a:ext uri="{FF2B5EF4-FFF2-40B4-BE49-F238E27FC236}">
+                <a16:creationId xmlns:a16="http://schemas.microsoft.com/office/drawing/2014/main" id="{58246947-F396-40E4-9E11-F8E663CF93D2}"/>
+              </a:ext>
+            </a:extLst>
+          </p:cNvPr>
+          <p:cNvSpPr txBox="1"/>
+          <p:nvPr/>
+        </p:nvSpPr>
+        <p:spPr>
+          <a:xfrm>
+            <a:off x="5246948" y="141115"/>
+            <a:ext cx="8488590" cy="307777"/>
+          </a:xfrm>
+          <a:prstGeom prst="rect">
+            <a:avLst/>
+          </a:prstGeom>
+          <a:noFill/>
+        </p:spPr>
+        <p:txBody>
+          <a:bodyPr wrap="square" rtlCol="0">
+            <a:spAutoFit/>
+          </a:bodyPr>
+          <a:lstStyle/>
+          <a:p>
+            <a:r>
+              <a:rPr lang="en-US" sz="1400" b="1" dirty="0">
+                <a:solidFill>
+                  <a:schemeClr val="bg1"/>
+                </a:solidFill>
+                <a:latin typeface="+mj-lt"/>
+              </a:rPr>
+              <a:t>Midwest</a:t>
+            </a:r>
+          </a:p>
+        </p:txBody>
+      </p:sp>
+      <p:pic>
+        <p:nvPicPr>
+          <p:cNvPr id="7" name="Picture 6">
+            <a:extLst>
+              <a:ext uri="{FF2B5EF4-FFF2-40B4-BE49-F238E27FC236}">
+                <a16:creationId xmlns:a16="http://schemas.microsoft.com/office/drawing/2014/main" id="{684DDD10-35B1-4D18-B0F9-16F92362675A}"/>
+              </a:ext>
+            </a:extLst>
+          </p:cNvPr>
+          <p:cNvPicPr>
+            <a:picLocks noChangeAspect="1"/>
+          </p:cNvPicPr>
+          <p:nvPr/>
+        </p:nvPicPr>
+        <p:blipFill rotWithShape="1">
+          <a:blip r:embed="rId3">
+            <a:extLst>
+              <a:ext uri="{28A0092B-C50C-407E-A947-70E740481C1C}">
+                <a14:useLocalDpi xmlns:a14="http://schemas.microsoft.com/office/drawing/2010/main" val="0"/>
+              </a:ext>
+            </a:extLst>
+          </a:blip>
+          <a:srcRect l="27146" t="22488" r="27147" b="28314"/>
+          <a:stretch/>
+        </p:blipFill>
+        <p:spPr>
+          <a:xfrm>
+            <a:off x="5354108" y="453224"/>
+            <a:ext cx="4666095" cy="1927198"/>
+          </a:xfrm>
+          <a:prstGeom prst="rect">
+            <a:avLst/>
+          </a:prstGeom>
+          <a:ln w="19050">
+            <a:solidFill>
+              <a:schemeClr val="bg1">
+                <a:lumMod val="95000"/>
+                <a:lumOff val="5000"/>
+              </a:schemeClr>
+            </a:solidFill>
+          </a:ln>
+        </p:spPr>
+      </p:pic>
+      <p:grpSp>
+        <p:nvGrpSpPr>
+          <p:cNvPr id="64" name="Group 63">
+            <a:extLst>
+              <a:ext uri="{FF2B5EF4-FFF2-40B4-BE49-F238E27FC236}">
+                <a16:creationId xmlns:a16="http://schemas.microsoft.com/office/drawing/2014/main" id="{92D86122-FDC0-4EE7-BD5A-D6AB4A4135D8}"/>
+              </a:ext>
+            </a:extLst>
+          </p:cNvPr>
+          <p:cNvGrpSpPr/>
+          <p:nvPr/>
+        </p:nvGrpSpPr>
+        <p:grpSpPr>
+          <a:xfrm>
+            <a:off x="7813806" y="1963972"/>
+            <a:ext cx="3699683" cy="1454962"/>
+            <a:chOff x="5879473" y="2587016"/>
+            <a:chExt cx="2181490" cy="1265152"/>
+          </a:xfrm>
+        </p:grpSpPr>
+        <p:sp>
+          <p:nvSpPr>
+            <p:cNvPr id="19" name="Rectangle 18">
+              <a:extLst>
+                <a:ext uri="{FF2B5EF4-FFF2-40B4-BE49-F238E27FC236}">
+                  <a16:creationId xmlns:a16="http://schemas.microsoft.com/office/drawing/2014/main" id="{6FD77FC4-8CEA-41FC-8AAD-A1D5CA6A11D0}"/>
+                </a:ext>
+              </a:extLst>
+            </p:cNvPr>
+            <p:cNvSpPr/>
+            <p:nvPr/>
+          </p:nvSpPr>
+          <p:spPr>
+            <a:xfrm>
+              <a:off x="5879473" y="2587016"/>
+              <a:ext cx="299946" cy="219330"/>
+            </a:xfrm>
+            <a:prstGeom prst="rect">
+              <a:avLst/>
+            </a:prstGeom>
+            <a:noFill/>
+            <a:ln w="19050">
+              <a:solidFill>
+                <a:schemeClr val="bg1"/>
+              </a:solidFill>
+              <a:prstDash val="solid"/>
+            </a:ln>
+          </p:spPr>
+          <p:style>
+            <a:lnRef idx="2">
+              <a:schemeClr val="accent1">
+                <a:shade val="50000"/>
+              </a:schemeClr>
+            </a:lnRef>
+            <a:fillRef idx="1">
+              <a:schemeClr val="accent1"/>
+            </a:fillRef>
+            <a:effectRef idx="0">
+              <a:schemeClr val="accent1"/>
+            </a:effectRef>
+            <a:fontRef idx="minor">
+              <a:schemeClr val="lt1"/>
+            </a:fontRef>
+          </p:style>
+          <p:txBody>
+            <a:bodyPr rtlCol="0" anchor="ctr"/>
+            <a:lstStyle/>
+            <a:p>
+              <a:pPr algn="ctr"/>
+              <a:endParaRPr lang="en-US"/>
+            </a:p>
+          </p:txBody>
+        </p:sp>
+        <p:cxnSp>
+          <p:nvCxnSpPr>
+            <p:cNvPr id="29" name="Straight Connector 28">
+              <a:extLst>
+                <a:ext uri="{FF2B5EF4-FFF2-40B4-BE49-F238E27FC236}">
+                  <a16:creationId xmlns:a16="http://schemas.microsoft.com/office/drawing/2014/main" id="{7414EE49-F39E-4E8B-8845-0FA9D7634B18}"/>
+                </a:ext>
+              </a:extLst>
+            </p:cNvPr>
+            <p:cNvCxnSpPr>
+              <a:cxnSpLocks/>
+              <a:stCxn id="19" idx="2"/>
+            </p:cNvCxnSpPr>
+            <p:nvPr/>
+          </p:nvCxnSpPr>
+          <p:spPr>
+            <a:xfrm>
+              <a:off x="6029446" y="2806346"/>
+              <a:ext cx="2031517" cy="1045822"/>
+            </a:xfrm>
+            <a:prstGeom prst="line">
+              <a:avLst/>
+            </a:prstGeom>
+            <a:ln w="19050">
+              <a:solidFill>
+                <a:schemeClr val="bg1"/>
+              </a:solidFill>
+            </a:ln>
+          </p:spPr>
+          <p:style>
+            <a:lnRef idx="1">
+              <a:schemeClr val="accent1"/>
+            </a:lnRef>
+            <a:fillRef idx="0">
+              <a:schemeClr val="accent1"/>
+            </a:fillRef>
+            <a:effectRef idx="0">
+              <a:schemeClr val="accent1"/>
+            </a:effectRef>
+            <a:fontRef idx="minor">
+              <a:schemeClr val="tx1"/>
+            </a:fontRef>
+          </p:style>
+        </p:cxnSp>
+        <p:cxnSp>
+          <p:nvCxnSpPr>
+            <p:cNvPr id="32" name="Straight Connector 31">
+              <a:extLst>
+                <a:ext uri="{FF2B5EF4-FFF2-40B4-BE49-F238E27FC236}">
+                  <a16:creationId xmlns:a16="http://schemas.microsoft.com/office/drawing/2014/main" id="{7D5DAD67-7197-4A35-8DB1-A69E6E5512F5}"/>
+                </a:ext>
+              </a:extLst>
+            </p:cNvPr>
+            <p:cNvCxnSpPr>
+              <a:cxnSpLocks/>
+              <a:stCxn id="19" idx="2"/>
+            </p:cNvCxnSpPr>
+            <p:nvPr/>
+          </p:nvCxnSpPr>
+          <p:spPr>
+            <a:xfrm>
+              <a:off x="6029446" y="2806346"/>
+              <a:ext cx="839115" cy="947732"/>
+            </a:xfrm>
+            <a:prstGeom prst="line">
+              <a:avLst/>
+            </a:prstGeom>
+            <a:ln w="19050">
+              <a:solidFill>
+                <a:schemeClr val="bg1"/>
+              </a:solidFill>
+            </a:ln>
+          </p:spPr>
+          <p:style>
+            <a:lnRef idx="1">
+              <a:schemeClr val="accent1"/>
+            </a:lnRef>
+            <a:fillRef idx="0">
+              <a:schemeClr val="accent1"/>
+            </a:fillRef>
+            <a:effectRef idx="0">
+              <a:schemeClr val="accent1"/>
+            </a:effectRef>
+            <a:fontRef idx="minor">
+              <a:schemeClr val="tx1"/>
+            </a:fontRef>
+          </p:style>
+        </p:cxnSp>
+      </p:grpSp>
+      <p:sp>
+        <p:nvSpPr>
+          <p:cNvPr id="66" name="TextBox 65">
+            <a:extLst>
+              <a:ext uri="{FF2B5EF4-FFF2-40B4-BE49-F238E27FC236}">
+                <a16:creationId xmlns:a16="http://schemas.microsoft.com/office/drawing/2014/main" id="{629A2953-C81F-42C1-AC56-9DDE111C11BE}"/>
+              </a:ext>
+            </a:extLst>
+          </p:cNvPr>
+          <p:cNvSpPr txBox="1"/>
+          <p:nvPr/>
+        </p:nvSpPr>
+        <p:spPr>
+          <a:xfrm>
+            <a:off x="6082090" y="2793339"/>
+            <a:ext cx="2306173" cy="586889"/>
+          </a:xfrm>
+          <a:prstGeom prst="rect">
+            <a:avLst/>
+          </a:prstGeom>
+          <a:solidFill>
+            <a:schemeClr val="tx1"/>
+          </a:solidFill>
+        </p:spPr>
+        <p:txBody>
+          <a:bodyPr wrap="square" rtlCol="0">
+            <a:spAutoFit/>
+          </a:bodyPr>
+          <a:lstStyle/>
+          <a:p>
+            <a:r>
+              <a:rPr lang="en-US" sz="1400" b="1" dirty="0">
+                <a:solidFill>
+                  <a:schemeClr val="bg1"/>
+                </a:solidFill>
+                <a:latin typeface="+mj-lt"/>
+              </a:rPr>
+              <a:t>Hamilton County, OH</a:t>
+            </a:r>
+          </a:p>
+        </p:txBody>
+      </p:sp>
+      <p:pic>
+        <p:nvPicPr>
+          <p:cNvPr id="41" name="Picture 40">
+            <a:extLst>
+              <a:ext uri="{FF2B5EF4-FFF2-40B4-BE49-F238E27FC236}">
+                <a16:creationId xmlns:a16="http://schemas.microsoft.com/office/drawing/2014/main" id="{FD458BDA-3B08-4F13-AB82-51A1325C1A5B}"/>
+              </a:ext>
+            </a:extLst>
+          </p:cNvPr>
+          <p:cNvPicPr>
+            <a:picLocks noChangeAspect="1"/>
+          </p:cNvPicPr>
+          <p:nvPr/>
+        </p:nvPicPr>
+        <p:blipFill rotWithShape="1">
+          <a:blip r:embed="rId4">
+            <a:extLst>
+              <a:ext uri="{28A0092B-C50C-407E-A947-70E740481C1C}">
+                <a14:useLocalDpi xmlns:a14="http://schemas.microsoft.com/office/drawing/2010/main" val="0"/>
+              </a:ext>
+            </a:extLst>
+          </a:blip>
+          <a:srcRect l="9974" t="7328" r="9759" b="4231"/>
+          <a:stretch/>
+        </p:blipFill>
+        <p:spPr>
+          <a:xfrm>
+            <a:off x="6232977" y="3147015"/>
+            <a:ext cx="5280512" cy="3146378"/>
+          </a:xfrm>
+          <a:prstGeom prst="rect">
+            <a:avLst/>
+          </a:prstGeom>
+          <a:ln w="19050">
+            <a:solidFill>
+              <a:schemeClr val="bg1"/>
+            </a:solidFill>
+          </a:ln>
+        </p:spPr>
+      </p:pic>
+      <p:sp>
+        <p:nvSpPr>
+          <p:cNvPr id="67" name="Rectangle 66">
+            <a:extLst>
+              <a:ext uri="{FF2B5EF4-FFF2-40B4-BE49-F238E27FC236}">
+                <a16:creationId xmlns:a16="http://schemas.microsoft.com/office/drawing/2014/main" id="{B32DE92A-DCDB-4A8E-A0BE-C9B90707CE4C}"/>
+              </a:ext>
+            </a:extLst>
+          </p:cNvPr>
+          <p:cNvSpPr/>
+          <p:nvPr/>
+        </p:nvSpPr>
+        <p:spPr>
+          <a:xfrm>
+            <a:off x="6429184" y="5686854"/>
+            <a:ext cx="143220" cy="129558"/>
+          </a:xfrm>
+          <a:prstGeom prst="rect">
+            <a:avLst/>
+          </a:prstGeom>
+          <a:solidFill>
+            <a:schemeClr val="tx2">
+              <a:lumMod val="75000"/>
+            </a:schemeClr>
+          </a:solidFill>
+          <a:ln>
+            <a:noFill/>
+          </a:ln>
+        </p:spPr>
+        <p:style>
+          <a:lnRef idx="2">
+            <a:schemeClr val="accent1">
+              <a:shade val="50000"/>
+            </a:schemeClr>
+          </a:lnRef>
+          <a:fillRef idx="1">
+            <a:schemeClr val="accent1"/>
+          </a:fillRef>
+          <a:effectRef idx="0">
+            <a:schemeClr val="accent1"/>
+          </a:effectRef>
+          <a:fontRef idx="minor">
+            <a:schemeClr val="lt1"/>
+          </a:fontRef>
+        </p:style>
+        <p:txBody>
+          <a:bodyPr rtlCol="0" anchor="ctr"/>
+          <a:lstStyle/>
+          <a:p>
+            <a:pPr algn="ctr"/>
+            <a:endParaRPr lang="en-US" baseline="-25000" dirty="0"/>
+          </a:p>
+        </p:txBody>
+      </p:sp>
+      <p:sp>
+        <p:nvSpPr>
+          <p:cNvPr id="69" name="Rectangle 68">
+            <a:extLst>
+              <a:ext uri="{FF2B5EF4-FFF2-40B4-BE49-F238E27FC236}">
+                <a16:creationId xmlns:a16="http://schemas.microsoft.com/office/drawing/2014/main" id="{B5C2C932-89D2-4588-B30D-AA754BC5A666}"/>
+              </a:ext>
+            </a:extLst>
+          </p:cNvPr>
+          <p:cNvSpPr/>
+          <p:nvPr/>
+        </p:nvSpPr>
+        <p:spPr>
+          <a:xfrm>
+            <a:off x="6429184" y="5917354"/>
+            <a:ext cx="143220" cy="129558"/>
+          </a:xfrm>
+          <a:prstGeom prst="rect">
+            <a:avLst/>
+          </a:prstGeom>
+          <a:solidFill>
+            <a:srgbClr val="25CB10"/>
+          </a:solidFill>
+          <a:ln>
+            <a:noFill/>
+          </a:ln>
+        </p:spPr>
+        <p:style>
+          <a:lnRef idx="2">
+            <a:schemeClr val="accent1">
+              <a:shade val="50000"/>
+            </a:schemeClr>
+          </a:lnRef>
+          <a:fillRef idx="1">
+            <a:schemeClr val="accent1"/>
+          </a:fillRef>
+          <a:effectRef idx="0">
+            <a:schemeClr val="accent1"/>
+          </a:effectRef>
+          <a:fontRef idx="minor">
+            <a:schemeClr val="lt1"/>
+          </a:fontRef>
+        </p:style>
+        <p:txBody>
+          <a:bodyPr rtlCol="0" anchor="ctr"/>
+          <a:lstStyle/>
+          <a:p>
+            <a:pPr algn="ctr"/>
+            <a:endParaRPr lang="en-US" baseline="-25000" dirty="0"/>
+          </a:p>
+        </p:txBody>
+      </p:sp>
+      <p:sp>
+        <p:nvSpPr>
+          <p:cNvPr id="70" name="TextBox 69">
+            <a:extLst>
+              <a:ext uri="{FF2B5EF4-FFF2-40B4-BE49-F238E27FC236}">
+                <a16:creationId xmlns:a16="http://schemas.microsoft.com/office/drawing/2014/main" id="{F1E9D6C2-B6B8-4E3B-92BF-A0CE28B0CEF1}"/>
+              </a:ext>
+            </a:extLst>
+          </p:cNvPr>
+          <p:cNvSpPr txBox="1"/>
+          <p:nvPr/>
+        </p:nvSpPr>
+        <p:spPr>
+          <a:xfrm>
+            <a:off x="6567059" y="5613541"/>
+            <a:ext cx="2306173" cy="276183"/>
+          </a:xfrm>
+          <a:prstGeom prst="rect">
+            <a:avLst/>
+          </a:prstGeom>
+          <a:noFill/>
+        </p:spPr>
+        <p:txBody>
+          <a:bodyPr wrap="square" rtlCol="0">
+            <a:spAutoFit/>
+          </a:bodyPr>
+          <a:lstStyle/>
+          <a:p>
+            <a:r>
+              <a:rPr lang="en-US" sz="1000" b="1" dirty="0">
+                <a:solidFill>
+                  <a:schemeClr val="bg1"/>
+                </a:solidFill>
+                <a:latin typeface="+mj-lt"/>
+              </a:rPr>
+              <a:t>Cincinnati</a:t>
+            </a:r>
+          </a:p>
+        </p:txBody>
+      </p:sp>
+      <p:sp>
+        <p:nvSpPr>
+          <p:cNvPr id="71" name="TextBox 70">
+            <a:extLst>
+              <a:ext uri="{FF2B5EF4-FFF2-40B4-BE49-F238E27FC236}">
+                <a16:creationId xmlns:a16="http://schemas.microsoft.com/office/drawing/2014/main" id="{67730D6D-ECCC-4CA8-8609-19884348A85A}"/>
+              </a:ext>
+            </a:extLst>
+          </p:cNvPr>
+          <p:cNvSpPr txBox="1"/>
+          <p:nvPr/>
+        </p:nvSpPr>
+        <p:spPr>
+          <a:xfrm>
+            <a:off x="6567059" y="5825075"/>
+            <a:ext cx="2616454" cy="448798"/>
+          </a:xfrm>
+          <a:prstGeom prst="rect">
+            <a:avLst/>
+          </a:prstGeom>
+          <a:noFill/>
+        </p:spPr>
+        <p:txBody>
+          <a:bodyPr wrap="square" rtlCol="0">
+            <a:spAutoFit/>
+          </a:bodyPr>
+          <a:lstStyle/>
+          <a:p>
+            <a:r>
+              <a:rPr lang="en-US" sz="1000" b="1" dirty="0">
+                <a:solidFill>
+                  <a:schemeClr val="bg1"/>
+                </a:solidFill>
+                <a:latin typeface="+mj-lt"/>
+              </a:rPr>
+              <a:t>Locations of heroin overdose events</a:t>
             </a:r>
           </a:p>
         </p:txBody>
@@ -7503,7 +8799,7 @@
     </p:spTree>
     <p:extLst>
       <p:ext uri="{BB962C8B-B14F-4D97-AF65-F5344CB8AC3E}">
-        <p14:creationId xmlns:p14="http://schemas.microsoft.com/office/powerpoint/2010/main" val="2660785154"/>
+        <p14:creationId xmlns:p14="http://schemas.microsoft.com/office/powerpoint/2010/main" val="3798311703"/>
       </p:ext>
     </p:extLst>
   </p:cSld>
@@ -7548,7 +8844,7 @@
         </p:nvSpPr>
         <p:spPr>
           <a:xfrm>
-            <a:off x="672950" y="248092"/>
+            <a:off x="672950" y="369336"/>
             <a:ext cx="10353762" cy="970450"/>
           </a:xfrm>
         </p:spPr>
@@ -7560,7 +8856,7 @@
           <a:p>
             <a:r>
               <a:rPr lang="en-US" dirty="0"/>
-              <a:t>The Data</a:t>
+              <a:t>Our Proposed Data-driven Approach</a:t>
             </a:r>
           </a:p>
         </p:txBody>
@@ -7583,7 +8879,154 @@
         </p:nvSpPr>
         <p:spPr>
           <a:xfrm>
-            <a:off x="919117" y="1339043"/>
+            <a:off x="919118" y="1720706"/>
+            <a:ext cx="10353763" cy="4895179"/>
+          </a:xfrm>
+        </p:spPr>
+        <p:txBody>
+          <a:bodyPr>
+            <a:normAutofit/>
+          </a:bodyPr>
+          <a:lstStyle/>
+          <a:p>
+            <a:r>
+              <a:rPr lang="en-US" sz="2800" dirty="0"/>
+              <a:t>Build a statistical model to predict the </a:t>
+            </a:r>
+            <a:r>
+              <a:rPr lang="en-US" sz="2800" b="1" dirty="0">
+                <a:solidFill>
+                  <a:schemeClr val="accent2"/>
+                </a:solidFill>
+              </a:rPr>
+              <a:t>latent risk </a:t>
+            </a:r>
+            <a:r>
+              <a:rPr lang="en-US" sz="2800" dirty="0"/>
+              <a:t>of heroin overdoses</a:t>
+            </a:r>
+          </a:p>
+          <a:p>
+            <a:r>
+              <a:rPr lang="en-US" sz="2800" dirty="0"/>
+              <a:t>Identify areas in Cincinnati that are high-risk for overdoses</a:t>
+            </a:r>
+          </a:p>
+          <a:p>
+            <a:pPr lvl="1"/>
+            <a:r>
+              <a:rPr lang="en-US" sz="2600" dirty="0"/>
+              <a:t>Overdose deaths are </a:t>
+            </a:r>
+            <a:r>
+              <a:rPr lang="en-US" sz="2800" b="1" dirty="0">
+                <a:solidFill>
+                  <a:schemeClr val="accent2"/>
+                </a:solidFill>
+              </a:rPr>
+              <a:t>hyper-local</a:t>
+            </a:r>
+            <a:endParaRPr lang="en-US" sz="2600" dirty="0"/>
+          </a:p>
+          <a:p>
+            <a:pPr lvl="1"/>
+            <a:r>
+              <a:rPr lang="en-US" sz="2600" dirty="0"/>
+              <a:t>Overdose patterns vary over time seasonally</a:t>
+            </a:r>
+          </a:p>
+          <a:p>
+            <a:r>
+              <a:rPr lang="en-US" sz="2800" dirty="0"/>
+              <a:t>Use the results to identify areas in which to focus the Narcan Distribution Collaborative’s take-home kit distribution and training programs</a:t>
+            </a:r>
+          </a:p>
+        </p:txBody>
+      </p:sp>
+    </p:spTree>
+    <p:extLst>
+      <p:ext uri="{BB962C8B-B14F-4D97-AF65-F5344CB8AC3E}">
+        <p14:creationId xmlns:p14="http://schemas.microsoft.com/office/powerpoint/2010/main" val="2660785154"/>
+      </p:ext>
+    </p:extLst>
+  </p:cSld>
+  <p:clrMapOvr>
+    <a:masterClrMapping/>
+  </p:clrMapOvr>
+</p:sld>
+</file>
+
+<file path=ppt/slides/slide5.xml><?xml version="1.0" encoding="utf-8"?>
+<p:sld xmlns:a="http://schemas.openxmlformats.org/drawingml/2006/main" xmlns:r="http://schemas.openxmlformats.org/officeDocument/2006/relationships" xmlns:p="http://schemas.openxmlformats.org/presentationml/2006/main">
+  <p:cSld>
+    <p:spTree>
+      <p:nvGrpSpPr>
+        <p:cNvPr id="1" name=""/>
+        <p:cNvGrpSpPr/>
+        <p:nvPr/>
+      </p:nvGrpSpPr>
+      <p:grpSpPr>
+        <a:xfrm>
+          <a:off x="0" y="0"/>
+          <a:ext cx="0" cy="0"/>
+          <a:chOff x="0" y="0"/>
+          <a:chExt cx="0" cy="0"/>
+        </a:xfrm>
+      </p:grpSpPr>
+      <p:sp>
+        <p:nvSpPr>
+          <p:cNvPr id="2" name="Title 1">
+            <a:extLst>
+              <a:ext uri="{FF2B5EF4-FFF2-40B4-BE49-F238E27FC236}">
+                <a16:creationId xmlns:a16="http://schemas.microsoft.com/office/drawing/2014/main" id="{0C3F18D6-0CD4-4FBF-900B-E8CF8A326ADF}"/>
+              </a:ext>
+            </a:extLst>
+          </p:cNvPr>
+          <p:cNvSpPr>
+            <a:spLocks noGrp="1"/>
+          </p:cNvSpPr>
+          <p:nvPr>
+            <p:ph type="title"/>
+          </p:nvPr>
+        </p:nvSpPr>
+        <p:spPr>
+          <a:xfrm>
+            <a:off x="919119" y="256623"/>
+            <a:ext cx="10353762" cy="970450"/>
+          </a:xfrm>
+        </p:spPr>
+        <p:txBody>
+          <a:bodyPr>
+            <a:normAutofit/>
+          </a:bodyPr>
+          <a:lstStyle/>
+          <a:p>
+            <a:r>
+              <a:rPr lang="en-US" dirty="0"/>
+              <a:t>Data</a:t>
+            </a:r>
+          </a:p>
+        </p:txBody>
+      </p:sp>
+      <p:sp>
+        <p:nvSpPr>
+          <p:cNvPr id="3" name="Content Placeholder 2">
+            <a:extLst>
+              <a:ext uri="{FF2B5EF4-FFF2-40B4-BE49-F238E27FC236}">
+                <a16:creationId xmlns:a16="http://schemas.microsoft.com/office/drawing/2014/main" id="{EA8E35BC-1FD0-4552-B52F-24C6A6835458}"/>
+              </a:ext>
+            </a:extLst>
+          </p:cNvPr>
+          <p:cNvSpPr>
+            <a:spLocks noGrp="1"/>
+          </p:cNvSpPr>
+          <p:nvPr>
+            <p:ph idx="1"/>
+          </p:nvPr>
+        </p:nvSpPr>
+        <p:spPr>
+          <a:xfrm>
+            <a:off x="736005" y="1315190"/>
             <a:ext cx="10719989" cy="4895179"/>
           </a:xfrm>
         </p:spPr>
@@ -8452,92 +9895,7 @@
     </p:spTree>
     <p:extLst>
       <p:ext uri="{BB962C8B-B14F-4D97-AF65-F5344CB8AC3E}">
-        <p14:creationId xmlns:p14="http://schemas.microsoft.com/office/powerpoint/2010/main" val="954635282"/>
-      </p:ext>
-    </p:extLst>
-  </p:cSld>
-  <p:clrMapOvr>
-    <a:masterClrMapping/>
-  </p:clrMapOvr>
-</p:sld>
-</file>
-
-<file path=ppt/slides/slide5.xml><?xml version="1.0" encoding="utf-8"?>
-<p:sld xmlns:a="http://schemas.openxmlformats.org/drawingml/2006/main" xmlns:r="http://schemas.openxmlformats.org/officeDocument/2006/relationships" xmlns:p="http://schemas.openxmlformats.org/presentationml/2006/main">
-  <p:cSld>
-    <p:spTree>
-      <p:nvGrpSpPr>
-        <p:cNvPr id="1" name=""/>
-        <p:cNvGrpSpPr/>
-        <p:nvPr/>
-      </p:nvGrpSpPr>
-      <p:grpSpPr>
-        <a:xfrm>
-          <a:off x="0" y="0"/>
-          <a:ext cx="0" cy="0"/>
-          <a:chOff x="0" y="0"/>
-          <a:chExt cx="0" cy="0"/>
-        </a:xfrm>
-      </p:grpSpPr>
-      <p:sp>
-        <p:nvSpPr>
-          <p:cNvPr id="2" name="Title 1">
-            <a:extLst>
-              <a:ext uri="{FF2B5EF4-FFF2-40B4-BE49-F238E27FC236}">
-                <a16:creationId xmlns:a16="http://schemas.microsoft.com/office/drawing/2014/main" id="{267843C7-11E9-4C6B-84DF-CD8A5D498DC6}"/>
-              </a:ext>
-            </a:extLst>
-          </p:cNvPr>
-          <p:cNvSpPr>
-            <a:spLocks noGrp="1"/>
-          </p:cNvSpPr>
-          <p:nvPr>
-            <p:ph type="ctrTitle"/>
-          </p:nvPr>
-        </p:nvSpPr>
-        <p:spPr/>
-        <p:txBody>
-          <a:bodyPr>
-            <a:normAutofit/>
-          </a:bodyPr>
-          <a:lstStyle/>
-          <a:p>
-            <a:r>
-              <a:rPr lang="en-US" dirty="0"/>
-              <a:t>Exploratory analysis (spatial process)</a:t>
-            </a:r>
-          </a:p>
-        </p:txBody>
-      </p:sp>
-      <p:sp>
-        <p:nvSpPr>
-          <p:cNvPr id="3" name="Subtitle 2">
-            <a:extLst>
-              <a:ext uri="{FF2B5EF4-FFF2-40B4-BE49-F238E27FC236}">
-                <a16:creationId xmlns:a16="http://schemas.microsoft.com/office/drawing/2014/main" id="{C40AF8DD-0739-497B-B6BB-06F0947CD757}"/>
-              </a:ext>
-            </a:extLst>
-          </p:cNvPr>
-          <p:cNvSpPr>
-            <a:spLocks noGrp="1"/>
-          </p:cNvSpPr>
-          <p:nvPr>
-            <p:ph type="subTitle" idx="1"/>
-          </p:nvPr>
-        </p:nvSpPr>
-        <p:spPr/>
-        <p:txBody>
-          <a:bodyPr/>
-          <a:lstStyle/>
-          <a:p>
-            <a:endParaRPr lang="en-US"/>
-          </a:p>
-        </p:txBody>
-      </p:sp>
-    </p:spTree>
-    <p:extLst>
-      <p:ext uri="{BB962C8B-B14F-4D97-AF65-F5344CB8AC3E}">
-        <p14:creationId xmlns:p14="http://schemas.microsoft.com/office/powerpoint/2010/main" val="3057288979"/>
+        <p14:creationId xmlns:p14="http://schemas.microsoft.com/office/powerpoint/2010/main" val="2821801062"/>
       </p:ext>
     </p:extLst>
   </p:cSld>
@@ -8569,7 +9927,7 @@
           <p:cNvPr id="2" name="Title 1">
             <a:extLst>
               <a:ext uri="{FF2B5EF4-FFF2-40B4-BE49-F238E27FC236}">
-                <a16:creationId xmlns:a16="http://schemas.microsoft.com/office/drawing/2014/main" id="{267843C7-11E9-4C6B-84DF-CD8A5D498DC6}"/>
+                <a16:creationId xmlns:a16="http://schemas.microsoft.com/office/drawing/2014/main" id="{4D4E148C-2B2F-4DEA-A70F-2B13DF7B0980}"/>
               </a:ext>
             </a:extLst>
           </p:cNvPr>
@@ -8577,50 +9935,704 @@
             <a:spLocks noGrp="1"/>
           </p:cNvSpPr>
           <p:nvPr>
-            <p:ph type="ctrTitle"/>
-          </p:nvPr>
-        </p:nvSpPr>
-        <p:spPr/>
+            <p:ph type="title"/>
+          </p:nvPr>
+        </p:nvSpPr>
+        <p:spPr>
+          <a:xfrm>
+            <a:off x="813074" y="-64389"/>
+            <a:ext cx="10353762" cy="970450"/>
+          </a:xfrm>
+        </p:spPr>
         <p:txBody>
           <a:bodyPr/>
           <a:lstStyle/>
           <a:p>
             <a:r>
               <a:rPr lang="en-US" dirty="0"/>
-              <a:t>Exploratory analysis</a:t>
-            </a:r>
-          </a:p>
-        </p:txBody>
-      </p:sp>
-      <p:sp>
-        <p:nvSpPr>
-          <p:cNvPr id="3" name="Subtitle 2">
+              <a:t>Exploratory Analysis</a:t>
+            </a:r>
+          </a:p>
+        </p:txBody>
+      </p:sp>
+      <p:grpSp>
+        <p:nvGrpSpPr>
+          <p:cNvPr id="12" name="Group 11">
             <a:extLst>
               <a:ext uri="{FF2B5EF4-FFF2-40B4-BE49-F238E27FC236}">
-                <a16:creationId xmlns:a16="http://schemas.microsoft.com/office/drawing/2014/main" id="{C40AF8DD-0739-497B-B6BB-06F0947CD757}"/>
+                <a16:creationId xmlns:a16="http://schemas.microsoft.com/office/drawing/2014/main" id="{268EE2BB-4364-4B47-B6AF-37EAD02D3AF5}"/>
               </a:ext>
             </a:extLst>
           </p:cNvPr>
-          <p:cNvSpPr>
-            <a:spLocks noGrp="1"/>
-          </p:cNvSpPr>
-          <p:nvPr>
-            <p:ph type="subTitle" idx="1"/>
-          </p:nvPr>
-        </p:nvSpPr>
-        <p:spPr/>
-        <p:txBody>
-          <a:bodyPr/>
+          <p:cNvGrpSpPr/>
+          <p:nvPr/>
+        </p:nvGrpSpPr>
+        <p:grpSpPr>
+          <a:xfrm>
+            <a:off x="1502704" y="855940"/>
+            <a:ext cx="9720483" cy="2797607"/>
+            <a:chOff x="651724" y="2884972"/>
+            <a:chExt cx="8492276" cy="2018817"/>
+          </a:xfrm>
+        </p:grpSpPr>
+        <p:pic>
+          <p:nvPicPr>
+            <p:cNvPr id="5" name="Picture 4" descr="A close up of a map&#10;&#10;Description automatically generated">
+              <a:extLst>
+                <a:ext uri="{FF2B5EF4-FFF2-40B4-BE49-F238E27FC236}">
+                  <a16:creationId xmlns:a16="http://schemas.microsoft.com/office/drawing/2014/main" id="{C601E72F-E93F-41B8-9EC1-21828DF12472}"/>
+                </a:ext>
+              </a:extLst>
+            </p:cNvPr>
+            <p:cNvPicPr>
+              <a:picLocks noChangeAspect="1"/>
+            </p:cNvPicPr>
+            <p:nvPr/>
+          </p:nvPicPr>
+          <p:blipFill rotWithShape="1">
+            <a:blip r:embed="rId3">
+              <a:extLst>
+                <a:ext uri="{28A0092B-C50C-407E-A947-70E740481C1C}">
+                  <a14:useLocalDpi xmlns:a14="http://schemas.microsoft.com/office/drawing/2010/main" val="0"/>
+                </a:ext>
+              </a:extLst>
+            </a:blip>
+            <a:srcRect l="23463" t="15645" r="23463" b="3996"/>
+            <a:stretch/>
+          </p:blipFill>
+          <p:spPr>
+            <a:xfrm>
+              <a:off x="754836" y="3409918"/>
+              <a:ext cx="2325962" cy="1493871"/>
+            </a:xfrm>
+            <a:prstGeom prst="rect">
+              <a:avLst/>
+            </a:prstGeom>
+            <a:ln w="6350">
+              <a:solidFill>
+                <a:schemeClr val="tx1"/>
+              </a:solidFill>
+            </a:ln>
+          </p:spPr>
+        </p:pic>
+        <p:pic>
+          <p:nvPicPr>
+            <p:cNvPr id="6" name="Picture 5" descr="A close up of a map&#10;&#10;Description automatically generated">
+              <a:extLst>
+                <a:ext uri="{FF2B5EF4-FFF2-40B4-BE49-F238E27FC236}">
+                  <a16:creationId xmlns:a16="http://schemas.microsoft.com/office/drawing/2014/main" id="{7A656A8A-39B1-4316-AD90-7EEAE35BD235}"/>
+                </a:ext>
+              </a:extLst>
+            </p:cNvPr>
+            <p:cNvPicPr>
+              <a:picLocks noChangeAspect="1"/>
+            </p:cNvPicPr>
+            <p:nvPr/>
+          </p:nvPicPr>
+          <p:blipFill rotWithShape="1">
+            <a:blip r:embed="rId4">
+              <a:extLst>
+                <a:ext uri="{28A0092B-C50C-407E-A947-70E740481C1C}">
+                  <a14:useLocalDpi xmlns:a14="http://schemas.microsoft.com/office/drawing/2010/main" val="0"/>
+                </a:ext>
+              </a:extLst>
+            </a:blip>
+            <a:srcRect l="21733" t="16014" r="20907" b="5120"/>
+            <a:stretch/>
+          </p:blipFill>
+          <p:spPr>
+            <a:xfrm>
+              <a:off x="3294109" y="3409918"/>
+              <a:ext cx="2555781" cy="1490574"/>
+            </a:xfrm>
+            <a:prstGeom prst="rect">
+              <a:avLst/>
+            </a:prstGeom>
+            <a:ln w="6350">
+              <a:solidFill>
+                <a:schemeClr val="tx1"/>
+              </a:solidFill>
+            </a:ln>
+          </p:spPr>
+        </p:pic>
+        <p:pic>
+          <p:nvPicPr>
+            <p:cNvPr id="7" name="Picture 6" descr="A close up of a map&#10;&#10;Description automatically generated">
+              <a:extLst>
+                <a:ext uri="{FF2B5EF4-FFF2-40B4-BE49-F238E27FC236}">
+                  <a16:creationId xmlns:a16="http://schemas.microsoft.com/office/drawing/2014/main" id="{3AEE680C-B847-4C56-BC3B-20F1BDBAD362}"/>
+                </a:ext>
+              </a:extLst>
+            </p:cNvPr>
+            <p:cNvPicPr>
+              <a:picLocks noChangeAspect="1"/>
+            </p:cNvPicPr>
+            <p:nvPr/>
+          </p:nvPicPr>
+          <p:blipFill rotWithShape="1">
+            <a:blip r:embed="rId5">
+              <a:extLst>
+                <a:ext uri="{28A0092B-C50C-407E-A947-70E740481C1C}">
+                  <a14:useLocalDpi xmlns:a14="http://schemas.microsoft.com/office/drawing/2010/main" val="0"/>
+                </a:ext>
+              </a:extLst>
+            </a:blip>
+            <a:srcRect l="23335" t="15338" r="22926" b="4079"/>
+            <a:stretch/>
+          </p:blipFill>
+          <p:spPr>
+            <a:xfrm>
+              <a:off x="6063201" y="3406377"/>
+              <a:ext cx="2349037" cy="1494115"/>
+            </a:xfrm>
+            <a:prstGeom prst="rect">
+              <a:avLst/>
+            </a:prstGeom>
+            <a:ln w="6350">
+              <a:solidFill>
+                <a:schemeClr val="tx1"/>
+              </a:solidFill>
+            </a:ln>
+          </p:spPr>
+        </p:pic>
+        <p:sp>
+          <p:nvSpPr>
+            <p:cNvPr id="8" name="TextBox 7">
+              <a:extLst>
+                <a:ext uri="{FF2B5EF4-FFF2-40B4-BE49-F238E27FC236}">
+                  <a16:creationId xmlns:a16="http://schemas.microsoft.com/office/drawing/2014/main" id="{A2D142D1-114C-4516-A720-A102BD1BA4A1}"/>
+                </a:ext>
+              </a:extLst>
+            </p:cNvPr>
+            <p:cNvSpPr txBox="1"/>
+            <p:nvPr/>
+          </p:nvSpPr>
+          <p:spPr>
+            <a:xfrm>
+              <a:off x="655410" y="2884972"/>
+              <a:ext cx="8488590" cy="266518"/>
+            </a:xfrm>
+            <a:prstGeom prst="rect">
+              <a:avLst/>
+            </a:prstGeom>
+            <a:noFill/>
+          </p:spPr>
+          <p:txBody>
+            <a:bodyPr wrap="square" rtlCol="0">
+              <a:spAutoFit/>
+            </a:bodyPr>
+            <a:lstStyle/>
+            <a:p>
+              <a:r>
+                <a:rPr lang="en-US" b="1" dirty="0">
+                  <a:latin typeface="+mj-lt"/>
+                </a:rPr>
+                <a:t>Heroin overdose events in Cincinnati spiked in 2016-2017 and have begun to decline</a:t>
+              </a:r>
+            </a:p>
+          </p:txBody>
+        </p:sp>
+        <p:sp>
+          <p:nvSpPr>
+            <p:cNvPr id="9" name="TextBox 8">
+              <a:extLst>
+                <a:ext uri="{FF2B5EF4-FFF2-40B4-BE49-F238E27FC236}">
+                  <a16:creationId xmlns:a16="http://schemas.microsoft.com/office/drawing/2014/main" id="{5D5DF79E-32F0-4D77-B961-3877ED008B56}"/>
+                </a:ext>
+              </a:extLst>
+            </p:cNvPr>
+            <p:cNvSpPr txBox="1"/>
+            <p:nvPr/>
+          </p:nvSpPr>
+          <p:spPr>
+            <a:xfrm>
+              <a:off x="651724" y="3142282"/>
+              <a:ext cx="722607" cy="307777"/>
+            </a:xfrm>
+            <a:prstGeom prst="rect">
+              <a:avLst/>
+            </a:prstGeom>
+            <a:noFill/>
+          </p:spPr>
+          <p:txBody>
+            <a:bodyPr wrap="square" rtlCol="0">
+              <a:spAutoFit/>
+            </a:bodyPr>
+            <a:lstStyle/>
+            <a:p>
+              <a:r>
+                <a:rPr lang="en-US" sz="1400" b="1" dirty="0">
+                  <a:latin typeface="+mj-lt"/>
+                </a:rPr>
+                <a:t>2015</a:t>
+              </a:r>
+            </a:p>
+          </p:txBody>
+        </p:sp>
+        <p:sp>
+          <p:nvSpPr>
+            <p:cNvPr id="10" name="TextBox 9">
+              <a:extLst>
+                <a:ext uri="{FF2B5EF4-FFF2-40B4-BE49-F238E27FC236}">
+                  <a16:creationId xmlns:a16="http://schemas.microsoft.com/office/drawing/2014/main" id="{AD3DD181-9150-4C65-B8B8-0A3EBA0F9017}"/>
+                </a:ext>
+              </a:extLst>
+            </p:cNvPr>
+            <p:cNvSpPr txBox="1"/>
+            <p:nvPr/>
+          </p:nvSpPr>
+          <p:spPr>
+            <a:xfrm>
+              <a:off x="3206984" y="3140862"/>
+              <a:ext cx="722607" cy="307777"/>
+            </a:xfrm>
+            <a:prstGeom prst="rect">
+              <a:avLst/>
+            </a:prstGeom>
+            <a:noFill/>
+          </p:spPr>
+          <p:txBody>
+            <a:bodyPr wrap="square" rtlCol="0">
+              <a:spAutoFit/>
+            </a:bodyPr>
+            <a:lstStyle/>
+            <a:p>
+              <a:r>
+                <a:rPr lang="en-US" sz="1400" b="1" dirty="0">
+                  <a:latin typeface="+mj-lt"/>
+                </a:rPr>
+                <a:t>2017</a:t>
+              </a:r>
+            </a:p>
+          </p:txBody>
+        </p:sp>
+        <p:sp>
+          <p:nvSpPr>
+            <p:cNvPr id="11" name="TextBox 10">
+              <a:extLst>
+                <a:ext uri="{FF2B5EF4-FFF2-40B4-BE49-F238E27FC236}">
+                  <a16:creationId xmlns:a16="http://schemas.microsoft.com/office/drawing/2014/main" id="{05E23FC2-0F54-4E70-BA0E-ED486828739F}"/>
+                </a:ext>
+              </a:extLst>
+            </p:cNvPr>
+            <p:cNvSpPr txBox="1"/>
+            <p:nvPr/>
+          </p:nvSpPr>
+          <p:spPr>
+            <a:xfrm>
+              <a:off x="5991339" y="3140862"/>
+              <a:ext cx="722607" cy="307777"/>
+            </a:xfrm>
+            <a:prstGeom prst="rect">
+              <a:avLst/>
+            </a:prstGeom>
+            <a:noFill/>
+          </p:spPr>
+          <p:txBody>
+            <a:bodyPr wrap="square" rtlCol="0">
+              <a:spAutoFit/>
+            </a:bodyPr>
+            <a:lstStyle/>
+            <a:p>
+              <a:r>
+                <a:rPr lang="en-US" sz="1400" b="1" dirty="0">
+                  <a:latin typeface="+mj-lt"/>
+                </a:rPr>
+                <a:t>2019</a:t>
+              </a:r>
+            </a:p>
+          </p:txBody>
+        </p:sp>
+      </p:grpSp>
+      <p:sp>
+        <p:nvSpPr>
+          <p:cNvPr id="28" name="TextBox 27">
+            <a:extLst>
+              <a:ext uri="{FF2B5EF4-FFF2-40B4-BE49-F238E27FC236}">
+                <a16:creationId xmlns:a16="http://schemas.microsoft.com/office/drawing/2014/main" id="{DF0B9828-A181-4E34-AAD7-C97396204A46}"/>
+              </a:ext>
+            </a:extLst>
+          </p:cNvPr>
+          <p:cNvSpPr txBox="1"/>
+          <p:nvPr/>
+        </p:nvSpPr>
+        <p:spPr>
+          <a:xfrm>
+            <a:off x="1502704" y="6611780"/>
+            <a:ext cx="9165297" cy="246221"/>
+          </a:xfrm>
+          <a:prstGeom prst="rect">
+            <a:avLst/>
+          </a:prstGeom>
+          <a:noFill/>
+        </p:spPr>
+        <p:txBody>
+          <a:bodyPr wrap="square" rtlCol="0">
+            <a:spAutoFit/>
+          </a:bodyPr>
           <a:lstStyle/>
           <a:p>
-            <a:endParaRPr lang="en-US"/>
-          </a:p>
-        </p:txBody>
-      </p:sp>
+            <a:pPr>
+              <a:spcAft>
+                <a:spcPts val="600"/>
+              </a:spcAft>
+            </a:pPr>
+            <a:r>
+              <a:rPr lang="en-US" sz="1000" baseline="30000" dirty="0"/>
+              <a:t>5</a:t>
+            </a:r>
+            <a:r>
+              <a:rPr lang="en-US" sz="1000" dirty="0"/>
+              <a:t>Ingram, 2018 </a:t>
+            </a:r>
+          </a:p>
+        </p:txBody>
+      </p:sp>
+      <p:grpSp>
+        <p:nvGrpSpPr>
+          <p:cNvPr id="4" name="Group 3">
+            <a:extLst>
+              <a:ext uri="{FF2B5EF4-FFF2-40B4-BE49-F238E27FC236}">
+                <a16:creationId xmlns:a16="http://schemas.microsoft.com/office/drawing/2014/main" id="{7B5CEA82-944D-420F-A852-D75F02EDAE68}"/>
+              </a:ext>
+            </a:extLst>
+          </p:cNvPr>
+          <p:cNvGrpSpPr/>
+          <p:nvPr/>
+        </p:nvGrpSpPr>
+        <p:grpSpPr>
+          <a:xfrm>
+            <a:off x="1502704" y="3717555"/>
+            <a:ext cx="3896572" cy="2884737"/>
+            <a:chOff x="2152124" y="3734628"/>
+            <a:chExt cx="3896572" cy="2884737"/>
+          </a:xfrm>
+        </p:grpSpPr>
+        <p:sp>
+          <p:nvSpPr>
+            <p:cNvPr id="13" name="TextBox 12">
+              <a:extLst>
+                <a:ext uri="{FF2B5EF4-FFF2-40B4-BE49-F238E27FC236}">
+                  <a16:creationId xmlns:a16="http://schemas.microsoft.com/office/drawing/2014/main" id="{92762A0E-2FE9-4E62-88AD-3C19A737A242}"/>
+                </a:ext>
+              </a:extLst>
+            </p:cNvPr>
+            <p:cNvSpPr txBox="1"/>
+            <p:nvPr/>
+          </p:nvSpPr>
+          <p:spPr>
+            <a:xfrm>
+              <a:off x="2152124" y="3734628"/>
+              <a:ext cx="3896572" cy="584775"/>
+            </a:xfrm>
+            <a:prstGeom prst="rect">
+              <a:avLst/>
+            </a:prstGeom>
+            <a:noFill/>
+          </p:spPr>
+          <p:txBody>
+            <a:bodyPr wrap="square" rtlCol="0">
+              <a:spAutoFit/>
+            </a:bodyPr>
+            <a:lstStyle/>
+            <a:p>
+              <a:r>
+                <a:rPr lang="en-US" sz="1600" b="1" dirty="0">
+                  <a:latin typeface="+mj-lt"/>
+                </a:rPr>
+                <a:t>Supply versus demand: heroin overdoses</a:t>
+              </a:r>
+            </a:p>
+            <a:p>
+              <a:r>
+                <a:rPr lang="en-US" sz="1600" b="1" dirty="0">
+                  <a:latin typeface="+mj-lt"/>
+                </a:rPr>
+                <a:t>vs. Naloxone distribution sites</a:t>
+              </a:r>
+            </a:p>
+          </p:txBody>
+        </p:sp>
+        <p:pic>
+          <p:nvPicPr>
+            <p:cNvPr id="18" name="Picture 17" descr="A close up of a map&#10;&#10;Description automatically generated">
+              <a:extLst>
+                <a:ext uri="{FF2B5EF4-FFF2-40B4-BE49-F238E27FC236}">
+                  <a16:creationId xmlns:a16="http://schemas.microsoft.com/office/drawing/2014/main" id="{879355B3-49DF-415B-B94F-48B9FDF3DC51}"/>
+                </a:ext>
+              </a:extLst>
+            </p:cNvPr>
+            <p:cNvPicPr>
+              <a:picLocks noChangeAspect="1"/>
+            </p:cNvPicPr>
+            <p:nvPr/>
+          </p:nvPicPr>
+          <p:blipFill rotWithShape="1">
+            <a:blip r:embed="rId6">
+              <a:extLst>
+                <a:ext uri="{28A0092B-C50C-407E-A947-70E740481C1C}">
+                  <a14:useLocalDpi xmlns:a14="http://schemas.microsoft.com/office/drawing/2010/main" val="0"/>
+                </a:ext>
+              </a:extLst>
+            </a:blip>
+            <a:srcRect l="14036" t="15357" r="13137" b="4542"/>
+            <a:stretch/>
+          </p:blipFill>
+          <p:spPr>
+            <a:xfrm>
+              <a:off x="2270149" y="4323972"/>
+              <a:ext cx="3490963" cy="2295393"/>
+            </a:xfrm>
+            <a:prstGeom prst="rect">
+              <a:avLst/>
+            </a:prstGeom>
+            <a:ln>
+              <a:solidFill>
+                <a:schemeClr val="tx1"/>
+              </a:solidFill>
+            </a:ln>
+          </p:spPr>
+        </p:pic>
+        <p:grpSp>
+          <p:nvGrpSpPr>
+            <p:cNvPr id="33" name="Group 32">
+              <a:extLst>
+                <a:ext uri="{FF2B5EF4-FFF2-40B4-BE49-F238E27FC236}">
+                  <a16:creationId xmlns:a16="http://schemas.microsoft.com/office/drawing/2014/main" id="{3F66CEEA-D6BE-4EF0-B122-A918BCAF74A5}"/>
+                </a:ext>
+              </a:extLst>
+            </p:cNvPr>
+            <p:cNvGrpSpPr/>
+            <p:nvPr/>
+          </p:nvGrpSpPr>
+          <p:grpSpPr>
+            <a:xfrm>
+              <a:off x="2360428" y="6137065"/>
+              <a:ext cx="2221297" cy="434808"/>
+              <a:chOff x="4697129" y="5719098"/>
+              <a:chExt cx="2221297" cy="434808"/>
+            </a:xfrm>
+          </p:grpSpPr>
+          <p:sp>
+            <p:nvSpPr>
+              <p:cNvPr id="29" name="Rectangle 28">
+                <a:extLst>
+                  <a:ext uri="{FF2B5EF4-FFF2-40B4-BE49-F238E27FC236}">
+                    <a16:creationId xmlns:a16="http://schemas.microsoft.com/office/drawing/2014/main" id="{9CB99519-8BBB-4C7D-9212-613119FF594B}"/>
+                  </a:ext>
+                </a:extLst>
+              </p:cNvPr>
+              <p:cNvSpPr/>
+              <p:nvPr/>
+            </p:nvSpPr>
+            <p:spPr>
+              <a:xfrm>
+                <a:off x="4697129" y="5784458"/>
+                <a:ext cx="115503" cy="115503"/>
+              </a:xfrm>
+              <a:prstGeom prst="rect">
+                <a:avLst/>
+              </a:prstGeom>
+              <a:solidFill>
+                <a:srgbClr val="25CB10"/>
+              </a:solidFill>
+              <a:ln>
+                <a:noFill/>
+              </a:ln>
+            </p:spPr>
+            <p:style>
+              <a:lnRef idx="2">
+                <a:schemeClr val="accent1">
+                  <a:shade val="50000"/>
+                </a:schemeClr>
+              </a:lnRef>
+              <a:fillRef idx="1">
+                <a:schemeClr val="accent1"/>
+              </a:fillRef>
+              <a:effectRef idx="0">
+                <a:schemeClr val="accent1"/>
+              </a:effectRef>
+              <a:fontRef idx="minor">
+                <a:schemeClr val="lt1"/>
+              </a:fontRef>
+            </p:style>
+            <p:txBody>
+              <a:bodyPr rtlCol="0" anchor="ctr"/>
+              <a:lstStyle/>
+              <a:p>
+                <a:pPr algn="ctr"/>
+                <a:endParaRPr lang="en-US" baseline="-25000" dirty="0"/>
+              </a:p>
+            </p:txBody>
+          </p:sp>
+          <p:sp>
+            <p:nvSpPr>
+              <p:cNvPr id="30" name="Rectangle 29">
+                <a:extLst>
+                  <a:ext uri="{FF2B5EF4-FFF2-40B4-BE49-F238E27FC236}">
+                    <a16:creationId xmlns:a16="http://schemas.microsoft.com/office/drawing/2014/main" id="{7B0030FE-CE40-4D34-A457-7E96687F36E7}"/>
+                  </a:ext>
+                </a:extLst>
+              </p:cNvPr>
+              <p:cNvSpPr/>
+              <p:nvPr/>
+            </p:nvSpPr>
+            <p:spPr>
+              <a:xfrm>
+                <a:off x="4697129" y="5989952"/>
+                <a:ext cx="115503" cy="115503"/>
+              </a:xfrm>
+              <a:prstGeom prst="rect">
+                <a:avLst/>
+              </a:prstGeom>
+              <a:solidFill>
+                <a:schemeClr val="accent2"/>
+              </a:solidFill>
+              <a:ln>
+                <a:noFill/>
+              </a:ln>
+            </p:spPr>
+            <p:style>
+              <a:lnRef idx="2">
+                <a:schemeClr val="accent1">
+                  <a:shade val="50000"/>
+                </a:schemeClr>
+              </a:lnRef>
+              <a:fillRef idx="1">
+                <a:schemeClr val="accent1"/>
+              </a:fillRef>
+              <a:effectRef idx="0">
+                <a:schemeClr val="accent1"/>
+              </a:effectRef>
+              <a:fontRef idx="minor">
+                <a:schemeClr val="lt1"/>
+              </a:fontRef>
+            </p:style>
+            <p:txBody>
+              <a:bodyPr rtlCol="0" anchor="ctr"/>
+              <a:lstStyle/>
+              <a:p>
+                <a:pPr algn="ctr"/>
+                <a:endParaRPr lang="en-US" baseline="-25000" dirty="0"/>
+              </a:p>
+            </p:txBody>
+          </p:sp>
+          <p:sp>
+            <p:nvSpPr>
+              <p:cNvPr id="31" name="TextBox 30">
+                <a:extLst>
+                  <a:ext uri="{FF2B5EF4-FFF2-40B4-BE49-F238E27FC236}">
+                    <a16:creationId xmlns:a16="http://schemas.microsoft.com/office/drawing/2014/main" id="{979FD5F5-FC6A-4F0E-B316-93C47BB1B284}"/>
+                  </a:ext>
+                </a:extLst>
+              </p:cNvPr>
+              <p:cNvSpPr txBox="1"/>
+              <p:nvPr/>
+            </p:nvSpPr>
+            <p:spPr>
+              <a:xfrm>
+                <a:off x="4808322" y="5719098"/>
+                <a:ext cx="1859870" cy="246221"/>
+              </a:xfrm>
+              <a:prstGeom prst="rect">
+                <a:avLst/>
+              </a:prstGeom>
+              <a:noFill/>
+            </p:spPr>
+            <p:txBody>
+              <a:bodyPr wrap="square" rtlCol="0">
+                <a:spAutoFit/>
+              </a:bodyPr>
+              <a:lstStyle/>
+              <a:p>
+                <a:r>
+                  <a:rPr lang="en-US" sz="1000" b="1" dirty="0">
+                    <a:solidFill>
+                      <a:schemeClr val="bg1"/>
+                    </a:solidFill>
+                    <a:latin typeface="+mj-lt"/>
+                  </a:rPr>
+                  <a:t>Heroin overdose</a:t>
+                </a:r>
+              </a:p>
+            </p:txBody>
+          </p:sp>
+          <p:sp>
+            <p:nvSpPr>
+              <p:cNvPr id="32" name="TextBox 31">
+                <a:extLst>
+                  <a:ext uri="{FF2B5EF4-FFF2-40B4-BE49-F238E27FC236}">
+                    <a16:creationId xmlns:a16="http://schemas.microsoft.com/office/drawing/2014/main" id="{6DCF1FCD-D89D-44F0-A994-32A19C9C6E45}"/>
+                  </a:ext>
+                </a:extLst>
+              </p:cNvPr>
+              <p:cNvSpPr txBox="1"/>
+              <p:nvPr/>
+            </p:nvSpPr>
+            <p:spPr>
+              <a:xfrm>
+                <a:off x="4808322" y="5907685"/>
+                <a:ext cx="2110104" cy="246221"/>
+              </a:xfrm>
+              <a:prstGeom prst="rect">
+                <a:avLst/>
+              </a:prstGeom>
+              <a:noFill/>
+            </p:spPr>
+            <p:txBody>
+              <a:bodyPr wrap="square" rtlCol="0">
+                <a:spAutoFit/>
+              </a:bodyPr>
+              <a:lstStyle/>
+              <a:p>
+                <a:r>
+                  <a:rPr lang="en-US" sz="1000" b="1" dirty="0">
+                    <a:solidFill>
+                      <a:schemeClr val="bg1"/>
+                    </a:solidFill>
+                    <a:latin typeface="+mj-lt"/>
+                  </a:rPr>
+                  <a:t>Naloxone distribution site </a:t>
+                </a:r>
+              </a:p>
+            </p:txBody>
+          </p:sp>
+        </p:grpSp>
+      </p:grpSp>
+      <p:pic>
+        <p:nvPicPr>
+          <p:cNvPr id="15" name="Picture 14">
+            <a:extLst>
+              <a:ext uri="{FF2B5EF4-FFF2-40B4-BE49-F238E27FC236}">
+                <a16:creationId xmlns:a16="http://schemas.microsoft.com/office/drawing/2014/main" id="{10E40D0A-C5AA-4D6E-BCFE-5AF3E1472B40}"/>
+              </a:ext>
+            </a:extLst>
+          </p:cNvPr>
+          <p:cNvPicPr>
+            <a:picLocks noChangeAspect="1"/>
+          </p:cNvPicPr>
+          <p:nvPr/>
+        </p:nvPicPr>
+        <p:blipFill>
+          <a:blip r:embed="rId7"/>
+          <a:stretch>
+            <a:fillRect/>
+          </a:stretch>
+        </p:blipFill>
+        <p:spPr>
+          <a:xfrm>
+            <a:off x="5528526" y="3831528"/>
+            <a:ext cx="4857067" cy="2780252"/>
+          </a:xfrm>
+          <a:prstGeom prst="rect">
+            <a:avLst/>
+          </a:prstGeom>
+        </p:spPr>
+      </p:pic>
     </p:spTree>
     <p:extLst>
       <p:ext uri="{BB962C8B-B14F-4D97-AF65-F5344CB8AC3E}">
-        <p14:creationId xmlns:p14="http://schemas.microsoft.com/office/powerpoint/2010/main" val="2365146"/>
+        <p14:creationId xmlns:p14="http://schemas.microsoft.com/office/powerpoint/2010/main" val="2701727523"/>
       </p:ext>
     </p:extLst>
   </p:cSld>
@@ -8666,19 +10678,14 @@
         <p:spPr/>
         <p:txBody>
           <a:bodyPr>
-            <a:normAutofit fontScale="90000"/>
+            <a:normAutofit/>
           </a:bodyPr>
           <a:lstStyle/>
           <a:p>
             <a:r>
               <a:rPr lang="en-US" dirty="0"/>
-              <a:t>how does the model work in theory? features, spatial process, </a:t>
-            </a:r>
-            <a:r>
-              <a:rPr lang="en-US" dirty="0" err="1"/>
-              <a:t>etc</a:t>
-            </a:r>
-            <a:endParaRPr lang="en-US" dirty="0"/>
+              <a:t>Exploratory analysis (spatial process)</a:t>
+            </a:r>
           </a:p>
         </p:txBody>
       </p:sp>
@@ -8710,7 +10717,7 @@
     </p:spTree>
     <p:extLst>
       <p:ext uri="{BB962C8B-B14F-4D97-AF65-F5344CB8AC3E}">
-        <p14:creationId xmlns:p14="http://schemas.microsoft.com/office/powerpoint/2010/main" val="236994131"/>
+        <p14:creationId xmlns:p14="http://schemas.microsoft.com/office/powerpoint/2010/main" val="3057288979"/>
       </p:ext>
     </p:extLst>
   </p:cSld>
@@ -8721,6 +10728,605 @@
 </file>
 
 <file path=ppt/slides/slide8.xml><?xml version="1.0" encoding="utf-8"?>
+<p:sld xmlns:a="http://schemas.openxmlformats.org/drawingml/2006/main" xmlns:r="http://schemas.openxmlformats.org/officeDocument/2006/relationships" xmlns:p="http://schemas.openxmlformats.org/presentationml/2006/main">
+  <p:cSld>
+    <p:spTree>
+      <p:nvGrpSpPr>
+        <p:cNvPr id="1" name=""/>
+        <p:cNvGrpSpPr/>
+        <p:nvPr/>
+      </p:nvGrpSpPr>
+      <p:grpSpPr>
+        <a:xfrm>
+          <a:off x="0" y="0"/>
+          <a:ext cx="0" cy="0"/>
+          <a:chOff x="0" y="0"/>
+          <a:chExt cx="0" cy="0"/>
+        </a:xfrm>
+      </p:grpSpPr>
+      <p:sp>
+        <p:nvSpPr>
+          <p:cNvPr id="2" name="Title 1">
+            <a:extLst>
+              <a:ext uri="{FF2B5EF4-FFF2-40B4-BE49-F238E27FC236}">
+                <a16:creationId xmlns:a16="http://schemas.microsoft.com/office/drawing/2014/main" id="{0C3F18D6-0CD4-4FBF-900B-E8CF8A326ADF}"/>
+              </a:ext>
+            </a:extLst>
+          </p:cNvPr>
+          <p:cNvSpPr>
+            <a:spLocks noGrp="1"/>
+          </p:cNvSpPr>
+          <p:nvPr>
+            <p:ph type="title"/>
+          </p:nvPr>
+        </p:nvSpPr>
+        <p:spPr>
+          <a:xfrm>
+            <a:off x="672950" y="248092"/>
+            <a:ext cx="10353762" cy="970450"/>
+          </a:xfrm>
+        </p:spPr>
+        <p:txBody>
+          <a:bodyPr>
+            <a:normAutofit/>
+          </a:bodyPr>
+          <a:lstStyle/>
+          <a:p>
+            <a:r>
+              <a:rPr lang="en-US" dirty="0"/>
+              <a:t>Data</a:t>
+            </a:r>
+          </a:p>
+        </p:txBody>
+      </p:sp>
+      <p:sp>
+        <p:nvSpPr>
+          <p:cNvPr id="3" name="Content Placeholder 2">
+            <a:extLst>
+              <a:ext uri="{FF2B5EF4-FFF2-40B4-BE49-F238E27FC236}">
+                <a16:creationId xmlns:a16="http://schemas.microsoft.com/office/drawing/2014/main" id="{EA8E35BC-1FD0-4552-B52F-24C6A6835458}"/>
+              </a:ext>
+            </a:extLst>
+          </p:cNvPr>
+          <p:cNvSpPr>
+            <a:spLocks noGrp="1"/>
+          </p:cNvSpPr>
+          <p:nvPr>
+            <p:ph idx="1"/>
+          </p:nvPr>
+        </p:nvSpPr>
+        <p:spPr>
+          <a:xfrm>
+            <a:off x="672950" y="1354946"/>
+            <a:ext cx="10886643" cy="5254962"/>
+          </a:xfrm>
+        </p:spPr>
+        <p:txBody>
+          <a:bodyPr>
+            <a:normAutofit fontScale="77500" lnSpcReduction="20000"/>
+          </a:bodyPr>
+          <a:lstStyle/>
+          <a:p>
+            <a:r>
+              <a:rPr lang="en-US" sz="2800" dirty="0"/>
+              <a:t>Poisson regression </a:t>
+            </a:r>
+          </a:p>
+          <a:p>
+            <a:r>
+              <a:rPr lang="en-US" sz="2800" dirty="0"/>
+              <a:t>Temporal and spatial components</a:t>
+            </a:r>
+          </a:p>
+          <a:p>
+            <a:pPr lvl="1"/>
+            <a:r>
+              <a:rPr lang="en-US" sz="2600" dirty="0"/>
+              <a:t>Train on 2015 – 2018 data (through the parabola trend shape), test on 2019 data</a:t>
+            </a:r>
+          </a:p>
+          <a:p>
+            <a:r>
+              <a:rPr lang="en-US" sz="2800" dirty="0"/>
+              <a:t>Time-invariant covariates</a:t>
+            </a:r>
+          </a:p>
+          <a:p>
+            <a:pPr lvl="1"/>
+            <a:r>
+              <a:rPr lang="en-US" sz="2600" dirty="0"/>
+              <a:t>Census tract data (ACS 2015)</a:t>
+            </a:r>
+          </a:p>
+          <a:p>
+            <a:pPr lvl="1"/>
+            <a:r>
+              <a:rPr lang="en-US" sz="2600" dirty="0"/>
+              <a:t>Total population </a:t>
+            </a:r>
+          </a:p>
+          <a:p>
+            <a:pPr lvl="1"/>
+            <a:r>
+              <a:rPr lang="en-US" sz="2600" dirty="0"/>
+              <a:t>Male population </a:t>
+            </a:r>
+          </a:p>
+          <a:p>
+            <a:pPr lvl="1"/>
+            <a:r>
+              <a:rPr lang="en-US" sz="2600" dirty="0"/>
+              <a:t>Racial/ethnic makeup</a:t>
+            </a:r>
+          </a:p>
+          <a:p>
+            <a:pPr lvl="1"/>
+            <a:r>
+              <a:rPr lang="en-US" sz="2600" dirty="0"/>
+              <a:t>Median household income</a:t>
+            </a:r>
+          </a:p>
+          <a:p>
+            <a:pPr lvl="1"/>
+            <a:r>
+              <a:rPr lang="en-US" sz="2600" dirty="0"/>
+              <a:t>Poverty rate	</a:t>
+            </a:r>
+          </a:p>
+          <a:p>
+            <a:pPr lvl="1"/>
+            <a:r>
+              <a:rPr lang="en-US" sz="2600" dirty="0"/>
+              <a:t>Unemployment</a:t>
+            </a:r>
+          </a:p>
+          <a:p>
+            <a:pPr lvl="1"/>
+            <a:r>
+              <a:rPr lang="en-US" sz="2600" dirty="0"/>
+              <a:t>Zoning (manufacturing, commercial, residential)</a:t>
+            </a:r>
+          </a:p>
+          <a:p>
+            <a:pPr lvl="1"/>
+            <a:r>
+              <a:rPr lang="en-US" sz="2600" dirty="0"/>
+              <a:t>Number of fast food restaurants</a:t>
+            </a:r>
+          </a:p>
+          <a:p>
+            <a:endParaRPr lang="en-US" sz="2800" dirty="0"/>
+          </a:p>
+        </p:txBody>
+      </p:sp>
+      <p:sp>
+        <p:nvSpPr>
+          <p:cNvPr id="7" name="Content Placeholder 2">
+            <a:extLst>
+              <a:ext uri="{FF2B5EF4-FFF2-40B4-BE49-F238E27FC236}">
+                <a16:creationId xmlns:a16="http://schemas.microsoft.com/office/drawing/2014/main" id="{058030C0-AFED-4ECA-8B56-C707B7688A50}"/>
+              </a:ext>
+            </a:extLst>
+          </p:cNvPr>
+          <p:cNvSpPr txBox="1">
+            <a:spLocks/>
+          </p:cNvSpPr>
+          <p:nvPr/>
+        </p:nvSpPr>
+        <p:spPr>
+          <a:xfrm>
+            <a:off x="6768950" y="2544417"/>
+            <a:ext cx="5112410" cy="4065491"/>
+          </a:xfrm>
+          <a:prstGeom prst="rect">
+            <a:avLst/>
+          </a:prstGeom>
+          <a:effectLst>
+            <a:outerShdw blurRad="25400" dir="17880000">
+              <a:srgbClr val="000000">
+                <a:alpha val="46000"/>
+              </a:srgbClr>
+            </a:outerShdw>
+          </a:effectLst>
+        </p:spPr>
+        <p:txBody>
+          <a:bodyPr vert="horz" lIns="91440" tIns="45720" rIns="91440" bIns="45720" rtlCol="0" anchor="t">
+            <a:normAutofit/>
+          </a:bodyPr>
+          <a:lstStyle>
+            <a:lvl1pPr marL="342900" indent="-306000" algn="l" defTabSz="457200" rtl="0" eaLnBrk="1" latinLnBrk="0" hangingPunct="1">
+              <a:spcBef>
+                <a:spcPct val="20000"/>
+              </a:spcBef>
+              <a:spcAft>
+                <a:spcPts val="600"/>
+              </a:spcAft>
+              <a:buClr>
+                <a:schemeClr val="tx2"/>
+              </a:buClr>
+              <a:buSzPct val="70000"/>
+              <a:buFont typeface="Wingdings 2" charset="2"/>
+              <a:buChar char=""/>
+              <a:defRPr sz="2000" kern="1200">
+                <a:ln>
+                  <a:solidFill>
+                    <a:schemeClr val="bg1">
+                      <a:lumMod val="75000"/>
+                      <a:lumOff val="25000"/>
+                      <a:alpha val="10000"/>
+                    </a:schemeClr>
+                  </a:solidFill>
+                </a:ln>
+                <a:solidFill>
+                  <a:schemeClr val="tx2"/>
+                </a:solidFill>
+                <a:effectLst>
+                  <a:outerShdw blurRad="9525" dist="25400" dir="14640000" algn="tl" rotWithShape="0">
+                    <a:schemeClr val="bg1">
+                      <a:alpha val="30000"/>
+                    </a:schemeClr>
+                  </a:outerShdw>
+                </a:effectLst>
+                <a:latin typeface="+mn-lt"/>
+                <a:ea typeface="+mn-ea"/>
+                <a:cs typeface="+mn-cs"/>
+              </a:defRPr>
+            </a:lvl1pPr>
+            <a:lvl2pPr marL="720000" indent="-270000" algn="l" defTabSz="457200" rtl="0" eaLnBrk="1" latinLnBrk="0" hangingPunct="1">
+              <a:spcBef>
+                <a:spcPct val="20000"/>
+              </a:spcBef>
+              <a:spcAft>
+                <a:spcPts val="600"/>
+              </a:spcAft>
+              <a:buClr>
+                <a:schemeClr val="tx2"/>
+              </a:buClr>
+              <a:buSzPct val="70000"/>
+              <a:buFont typeface="Wingdings 2" charset="2"/>
+              <a:buChar char=""/>
+              <a:defRPr sz="1800" kern="1200">
+                <a:ln>
+                  <a:solidFill>
+                    <a:schemeClr val="bg1">
+                      <a:lumMod val="75000"/>
+                      <a:lumOff val="25000"/>
+                      <a:alpha val="10000"/>
+                    </a:schemeClr>
+                  </a:solidFill>
+                </a:ln>
+                <a:solidFill>
+                  <a:schemeClr val="tx2"/>
+                </a:solidFill>
+                <a:effectLst>
+                  <a:outerShdw blurRad="9525" dist="25400" dir="14640000" algn="tl" rotWithShape="0">
+                    <a:schemeClr val="bg1">
+                      <a:alpha val="30000"/>
+                    </a:schemeClr>
+                  </a:outerShdw>
+                </a:effectLst>
+                <a:latin typeface="+mn-lt"/>
+                <a:ea typeface="+mn-ea"/>
+                <a:cs typeface="+mn-cs"/>
+              </a:defRPr>
+            </a:lvl2pPr>
+            <a:lvl3pPr marL="1026000" indent="-216000" algn="l" defTabSz="457200" rtl="0" eaLnBrk="1" latinLnBrk="0" hangingPunct="1">
+              <a:spcBef>
+                <a:spcPct val="20000"/>
+              </a:spcBef>
+              <a:spcAft>
+                <a:spcPts val="600"/>
+              </a:spcAft>
+              <a:buClr>
+                <a:schemeClr val="tx2"/>
+              </a:buClr>
+              <a:buSzPct val="70000"/>
+              <a:buFont typeface="Wingdings 2" charset="2"/>
+              <a:buChar char=""/>
+              <a:defRPr sz="1600" kern="1200">
+                <a:ln>
+                  <a:solidFill>
+                    <a:schemeClr val="bg1">
+                      <a:lumMod val="75000"/>
+                      <a:lumOff val="25000"/>
+                      <a:alpha val="10000"/>
+                    </a:schemeClr>
+                  </a:solidFill>
+                </a:ln>
+                <a:solidFill>
+                  <a:schemeClr val="tx2"/>
+                </a:solidFill>
+                <a:effectLst>
+                  <a:outerShdw blurRad="9525" dist="25400" dir="14640000" algn="tl" rotWithShape="0">
+                    <a:schemeClr val="bg1">
+                      <a:alpha val="30000"/>
+                    </a:schemeClr>
+                  </a:outerShdw>
+                </a:effectLst>
+                <a:latin typeface="+mn-lt"/>
+                <a:ea typeface="+mn-ea"/>
+                <a:cs typeface="+mn-cs"/>
+              </a:defRPr>
+            </a:lvl3pPr>
+            <a:lvl4pPr marL="1386000" indent="-216000" algn="l" defTabSz="457200" rtl="0" eaLnBrk="1" latinLnBrk="0" hangingPunct="1">
+              <a:spcBef>
+                <a:spcPct val="20000"/>
+              </a:spcBef>
+              <a:spcAft>
+                <a:spcPts val="600"/>
+              </a:spcAft>
+              <a:buClr>
+                <a:schemeClr val="tx2"/>
+              </a:buClr>
+              <a:buSzPct val="70000"/>
+              <a:buFont typeface="Wingdings 2" charset="2"/>
+              <a:buChar char=""/>
+              <a:defRPr sz="1400" kern="1200">
+                <a:ln>
+                  <a:solidFill>
+                    <a:schemeClr val="bg1">
+                      <a:lumMod val="75000"/>
+                      <a:lumOff val="25000"/>
+                      <a:alpha val="10000"/>
+                    </a:schemeClr>
+                  </a:solidFill>
+                </a:ln>
+                <a:solidFill>
+                  <a:schemeClr val="tx2"/>
+                </a:solidFill>
+                <a:effectLst>
+                  <a:outerShdw blurRad="9525" dist="25400" dir="14640000" algn="tl" rotWithShape="0">
+                    <a:schemeClr val="bg1">
+                      <a:alpha val="30000"/>
+                    </a:schemeClr>
+                  </a:outerShdw>
+                </a:effectLst>
+                <a:latin typeface="+mn-lt"/>
+                <a:ea typeface="+mn-ea"/>
+                <a:cs typeface="+mn-cs"/>
+              </a:defRPr>
+            </a:lvl4pPr>
+            <a:lvl5pPr marL="1674000" indent="-216000" algn="l" defTabSz="457200" rtl="0" eaLnBrk="1" latinLnBrk="0" hangingPunct="1">
+              <a:spcBef>
+                <a:spcPct val="20000"/>
+              </a:spcBef>
+              <a:spcAft>
+                <a:spcPts val="600"/>
+              </a:spcAft>
+              <a:buClr>
+                <a:schemeClr val="tx2"/>
+              </a:buClr>
+              <a:buSzPct val="70000"/>
+              <a:buFont typeface="Wingdings 2" charset="2"/>
+              <a:buChar char=""/>
+              <a:defRPr sz="1400" kern="1200">
+                <a:ln>
+                  <a:solidFill>
+                    <a:schemeClr val="bg1">
+                      <a:lumMod val="75000"/>
+                      <a:lumOff val="25000"/>
+                      <a:alpha val="10000"/>
+                    </a:schemeClr>
+                  </a:solidFill>
+                </a:ln>
+                <a:solidFill>
+                  <a:schemeClr val="tx2"/>
+                </a:solidFill>
+                <a:effectLst>
+                  <a:outerShdw blurRad="9525" dist="25400" dir="14640000" algn="tl" rotWithShape="0">
+                    <a:schemeClr val="bg1">
+                      <a:alpha val="30000"/>
+                    </a:schemeClr>
+                  </a:outerShdw>
+                </a:effectLst>
+                <a:latin typeface="+mn-lt"/>
+                <a:ea typeface="+mn-ea"/>
+                <a:cs typeface="+mn-cs"/>
+              </a:defRPr>
+            </a:lvl5pPr>
+            <a:lvl6pPr marL="2014600" indent="-228600" algn="l" defTabSz="457200" rtl="0" eaLnBrk="1" latinLnBrk="0" hangingPunct="1">
+              <a:spcBef>
+                <a:spcPct val="20000"/>
+              </a:spcBef>
+              <a:spcAft>
+                <a:spcPts val="600"/>
+              </a:spcAft>
+              <a:buClr>
+                <a:schemeClr val="tx2"/>
+              </a:buClr>
+              <a:buSzPct val="70000"/>
+              <a:buFont typeface="Wingdings 2" charset="2"/>
+              <a:buChar char=""/>
+              <a:defRPr sz="1400" kern="1200">
+                <a:ln>
+                  <a:solidFill>
+                    <a:schemeClr val="bg1">
+                      <a:lumMod val="75000"/>
+                      <a:lumOff val="25000"/>
+                      <a:alpha val="10000"/>
+                    </a:schemeClr>
+                  </a:solidFill>
+                </a:ln>
+                <a:solidFill>
+                  <a:schemeClr val="tx2"/>
+                </a:solidFill>
+                <a:effectLst>
+                  <a:outerShdw blurRad="9525" dist="25400" dir="14640000" algn="tl" rotWithShape="0">
+                    <a:schemeClr val="bg1">
+                      <a:alpha val="30000"/>
+                    </a:schemeClr>
+                  </a:outerShdw>
+                </a:effectLst>
+                <a:latin typeface="+mn-lt"/>
+                <a:ea typeface="+mn-ea"/>
+                <a:cs typeface="+mn-cs"/>
+              </a:defRPr>
+            </a:lvl6pPr>
+            <a:lvl7pPr marL="2401800" indent="-228600" algn="l" defTabSz="457200" rtl="0" eaLnBrk="1" latinLnBrk="0" hangingPunct="1">
+              <a:spcBef>
+                <a:spcPct val="20000"/>
+              </a:spcBef>
+              <a:spcAft>
+                <a:spcPts val="600"/>
+              </a:spcAft>
+              <a:buClr>
+                <a:schemeClr val="tx2"/>
+              </a:buClr>
+              <a:buSzPct val="70000"/>
+              <a:buFont typeface="Wingdings 2" charset="2"/>
+              <a:buChar char=""/>
+              <a:defRPr sz="1400" kern="1200">
+                <a:ln>
+                  <a:solidFill>
+                    <a:schemeClr val="bg1">
+                      <a:lumMod val="75000"/>
+                      <a:lumOff val="25000"/>
+                      <a:alpha val="10000"/>
+                    </a:schemeClr>
+                  </a:solidFill>
+                </a:ln>
+                <a:solidFill>
+                  <a:schemeClr val="tx2"/>
+                </a:solidFill>
+                <a:effectLst>
+                  <a:outerShdw blurRad="9525" dist="25400" dir="14640000" algn="tl" rotWithShape="0">
+                    <a:schemeClr val="bg1">
+                      <a:alpha val="30000"/>
+                    </a:schemeClr>
+                  </a:outerShdw>
+                </a:effectLst>
+                <a:latin typeface="+mn-lt"/>
+                <a:ea typeface="+mn-ea"/>
+                <a:cs typeface="+mn-cs"/>
+              </a:defRPr>
+            </a:lvl7pPr>
+            <a:lvl8pPr marL="2789000" indent="-228600" algn="l" defTabSz="457200" rtl="0" eaLnBrk="1" latinLnBrk="0" hangingPunct="1">
+              <a:spcBef>
+                <a:spcPct val="20000"/>
+              </a:spcBef>
+              <a:spcAft>
+                <a:spcPts val="600"/>
+              </a:spcAft>
+              <a:buClr>
+                <a:schemeClr val="tx2"/>
+              </a:buClr>
+              <a:buSzPct val="70000"/>
+              <a:buFont typeface="Wingdings 2" charset="2"/>
+              <a:buChar char=""/>
+              <a:defRPr sz="1400" kern="1200">
+                <a:ln>
+                  <a:solidFill>
+                    <a:schemeClr val="bg1">
+                      <a:lumMod val="75000"/>
+                      <a:lumOff val="25000"/>
+                      <a:alpha val="10000"/>
+                    </a:schemeClr>
+                  </a:solidFill>
+                </a:ln>
+                <a:solidFill>
+                  <a:schemeClr val="tx2"/>
+                </a:solidFill>
+                <a:effectLst>
+                  <a:outerShdw blurRad="9525" dist="25400" dir="14640000" algn="tl" rotWithShape="0">
+                    <a:schemeClr val="bg1">
+                      <a:alpha val="30000"/>
+                    </a:schemeClr>
+                  </a:outerShdw>
+                </a:effectLst>
+                <a:latin typeface="+mn-lt"/>
+                <a:ea typeface="+mn-ea"/>
+                <a:cs typeface="+mn-cs"/>
+              </a:defRPr>
+            </a:lvl8pPr>
+            <a:lvl9pPr marL="3106200" indent="-228600" algn="l" defTabSz="457200" rtl="0" eaLnBrk="1" latinLnBrk="0" hangingPunct="1">
+              <a:spcBef>
+                <a:spcPct val="20000"/>
+              </a:spcBef>
+              <a:spcAft>
+                <a:spcPts val="600"/>
+              </a:spcAft>
+              <a:buClr>
+                <a:schemeClr val="tx2"/>
+              </a:buClr>
+              <a:buSzPct val="70000"/>
+              <a:buFont typeface="Wingdings 2" charset="2"/>
+              <a:buChar char=""/>
+              <a:defRPr sz="1400" kern="1200">
+                <a:ln>
+                  <a:solidFill>
+                    <a:schemeClr val="bg1">
+                      <a:lumMod val="75000"/>
+                      <a:lumOff val="25000"/>
+                      <a:alpha val="10000"/>
+                    </a:schemeClr>
+                  </a:solidFill>
+                </a:ln>
+                <a:solidFill>
+                  <a:schemeClr val="tx2"/>
+                </a:solidFill>
+                <a:effectLst>
+                  <a:outerShdw blurRad="9525" dist="25400" dir="14640000" algn="tl" rotWithShape="0">
+                    <a:schemeClr val="bg1">
+                      <a:alpha val="30000"/>
+                    </a:schemeClr>
+                  </a:outerShdw>
+                </a:effectLst>
+                <a:latin typeface="+mn-lt"/>
+                <a:ea typeface="+mn-ea"/>
+                <a:cs typeface="+mn-cs"/>
+              </a:defRPr>
+            </a:lvl9pPr>
+          </a:lstStyle>
+          <a:p>
+            <a:r>
+              <a:rPr lang="en-US" sz="2200" dirty="0"/>
+              <a:t>Time-varying covariates</a:t>
+            </a:r>
+          </a:p>
+          <a:p>
+            <a:pPr lvl="1"/>
+            <a:r>
+              <a:rPr lang="en-US" sz="2000" dirty="0"/>
+              <a:t>Distance from event to pharmacies, hospitals, EMT stations</a:t>
+            </a:r>
+          </a:p>
+          <a:p>
+            <a:pPr lvl="1"/>
+            <a:r>
+              <a:rPr lang="en-US" sz="2000" dirty="0"/>
+              <a:t>Distance from event to Naloxone distribution </a:t>
+            </a:r>
+          </a:p>
+          <a:p>
+            <a:pPr lvl="1"/>
+            <a:r>
+              <a:rPr lang="en-US" sz="2000" dirty="0"/>
+              <a:t>Crime</a:t>
+            </a:r>
+          </a:p>
+          <a:p>
+            <a:pPr lvl="1"/>
+            <a:r>
+              <a:rPr lang="en-US" sz="2000" dirty="0"/>
+              <a:t>Weather/season and day of week</a:t>
+            </a:r>
+          </a:p>
+        </p:txBody>
+      </p:sp>
+    </p:spTree>
+    <p:extLst>
+      <p:ext uri="{BB962C8B-B14F-4D97-AF65-F5344CB8AC3E}">
+        <p14:creationId xmlns:p14="http://schemas.microsoft.com/office/powerpoint/2010/main" val="882870534"/>
+      </p:ext>
+    </p:extLst>
+  </p:cSld>
+  <p:clrMapOvr>
+    <a:masterClrMapping/>
+  </p:clrMapOvr>
+</p:sld>
+</file>
+
+<file path=ppt/slides/slide9.xml><?xml version="1.0" encoding="utf-8"?>
 <p:sld xmlns:a="http://schemas.openxmlformats.org/drawingml/2006/main" xmlns:r="http://schemas.openxmlformats.org/officeDocument/2006/relationships" xmlns:p="http://schemas.openxmlformats.org/presentationml/2006/main">
   <p:cSld>
     <p:spTree>
@@ -8814,7 +11420,7 @@
         <p:spPr>
           <a:xfrm flipV="1">
             <a:off x="3005593" y="1582663"/>
-            <a:ext cx="1556881" cy="977658"/>
+            <a:ext cx="1556881" cy="953803"/>
           </a:xfrm>
           <a:prstGeom prst="line">
             <a:avLst/>
@@ -8851,8 +11457,8 @@
         </p:nvCxnSpPr>
         <p:spPr>
           <a:xfrm>
-            <a:off x="3005593" y="5831928"/>
-            <a:ext cx="1556881" cy="556592"/>
+            <a:off x="3005593" y="5732890"/>
+            <a:ext cx="1556881" cy="655630"/>
           </a:xfrm>
           <a:prstGeom prst="line">
             <a:avLst/>
@@ -9079,89 +11685,6 @@
     <p:extLst>
       <p:ext uri="{BB962C8B-B14F-4D97-AF65-F5344CB8AC3E}">
         <p14:creationId xmlns:p14="http://schemas.microsoft.com/office/powerpoint/2010/main" val="760220166"/>
-      </p:ext>
-    </p:extLst>
-  </p:cSld>
-  <p:clrMapOvr>
-    <a:masterClrMapping/>
-  </p:clrMapOvr>
-</p:sld>
-</file>
-
-<file path=ppt/slides/slide9.xml><?xml version="1.0" encoding="utf-8"?>
-<p:sld xmlns:a="http://schemas.openxmlformats.org/drawingml/2006/main" xmlns:r="http://schemas.openxmlformats.org/officeDocument/2006/relationships" xmlns:p="http://schemas.openxmlformats.org/presentationml/2006/main">
-  <p:cSld>
-    <p:spTree>
-      <p:nvGrpSpPr>
-        <p:cNvPr id="1" name=""/>
-        <p:cNvGrpSpPr/>
-        <p:nvPr/>
-      </p:nvGrpSpPr>
-      <p:grpSpPr>
-        <a:xfrm>
-          <a:off x="0" y="0"/>
-          <a:ext cx="0" cy="0"/>
-          <a:chOff x="0" y="0"/>
-          <a:chExt cx="0" cy="0"/>
-        </a:xfrm>
-      </p:grpSpPr>
-      <p:sp>
-        <p:nvSpPr>
-          <p:cNvPr id="2" name="Title 1">
-            <a:extLst>
-              <a:ext uri="{FF2B5EF4-FFF2-40B4-BE49-F238E27FC236}">
-                <a16:creationId xmlns:a16="http://schemas.microsoft.com/office/drawing/2014/main" id="{267843C7-11E9-4C6B-84DF-CD8A5D498DC6}"/>
-              </a:ext>
-            </a:extLst>
-          </p:cNvPr>
-          <p:cNvSpPr>
-            <a:spLocks noGrp="1"/>
-          </p:cNvSpPr>
-          <p:nvPr>
-            <p:ph type="ctrTitle"/>
-          </p:nvPr>
-        </p:nvSpPr>
-        <p:spPr/>
-        <p:txBody>
-          <a:bodyPr/>
-          <a:lstStyle/>
-          <a:p>
-            <a:r>
-              <a:rPr lang="en-US" dirty="0"/>
-              <a:t>wireframe</a:t>
-            </a:r>
-          </a:p>
-        </p:txBody>
-      </p:sp>
-      <p:sp>
-        <p:nvSpPr>
-          <p:cNvPr id="3" name="Subtitle 2">
-            <a:extLst>
-              <a:ext uri="{FF2B5EF4-FFF2-40B4-BE49-F238E27FC236}">
-                <a16:creationId xmlns:a16="http://schemas.microsoft.com/office/drawing/2014/main" id="{C40AF8DD-0739-497B-B6BB-06F0947CD757}"/>
-              </a:ext>
-            </a:extLst>
-          </p:cNvPr>
-          <p:cNvSpPr>
-            <a:spLocks noGrp="1"/>
-          </p:cNvSpPr>
-          <p:nvPr>
-            <p:ph type="subTitle" idx="1"/>
-          </p:nvPr>
-        </p:nvSpPr>
-        <p:spPr/>
-        <p:txBody>
-          <a:bodyPr/>
-          <a:lstStyle/>
-          <a:p>
-            <a:endParaRPr lang="en-US" dirty="0"/>
-          </a:p>
-        </p:txBody>
-      </p:sp>
-    </p:spTree>
-    <p:extLst>
-      <p:ext uri="{BB962C8B-B14F-4D97-AF65-F5344CB8AC3E}">
-        <p14:creationId xmlns:p14="http://schemas.microsoft.com/office/powerpoint/2010/main" val="230181181"/>
       </p:ext>
     </p:extLst>
   </p:cSld>
